--- a/slides/TestContainers SENAI 2025-05.pptx
+++ b/slides/TestContainers SENAI 2025-05.pptx
@@ -8,10 +8,10 @@
     <p:sldMasterId id="2147484455" r:id="rId7"/>
   </p:sldMasterIdLst>
   <p:notesMasterIdLst>
-    <p:notesMasterId r:id="rId27"/>
+    <p:notesMasterId r:id="rId31"/>
   </p:notesMasterIdLst>
   <p:handoutMasterIdLst>
-    <p:handoutMasterId r:id="rId28"/>
+    <p:handoutMasterId r:id="rId32"/>
   </p:handoutMasterIdLst>
   <p:sldIdLst>
     <p:sldId id="1393" r:id="rId8"/>
@@ -22,17 +22,21 @@
     <p:sldId id="1705" r:id="rId13"/>
     <p:sldId id="1812" r:id="rId14"/>
     <p:sldId id="1706" r:id="rId15"/>
-    <p:sldId id="1802" r:id="rId16"/>
-    <p:sldId id="1810" r:id="rId17"/>
-    <p:sldId id="1801" r:id="rId18"/>
-    <p:sldId id="1805" r:id="rId19"/>
-    <p:sldId id="1806" r:id="rId20"/>
-    <p:sldId id="1808" r:id="rId21"/>
-    <p:sldId id="1809" r:id="rId22"/>
-    <p:sldId id="1811" r:id="rId23"/>
-    <p:sldId id="1813" r:id="rId24"/>
-    <p:sldId id="1815" r:id="rId25"/>
-    <p:sldId id="1750" r:id="rId26"/>
+    <p:sldId id="1756" r:id="rId16"/>
+    <p:sldId id="1751" r:id="rId17"/>
+    <p:sldId id="1757" r:id="rId18"/>
+    <p:sldId id="1760" r:id="rId19"/>
+    <p:sldId id="1802" r:id="rId20"/>
+    <p:sldId id="1810" r:id="rId21"/>
+    <p:sldId id="1801" r:id="rId22"/>
+    <p:sldId id="1805" r:id="rId23"/>
+    <p:sldId id="1806" r:id="rId24"/>
+    <p:sldId id="1808" r:id="rId25"/>
+    <p:sldId id="1809" r:id="rId26"/>
+    <p:sldId id="1811" r:id="rId27"/>
+    <p:sldId id="1813" r:id="rId28"/>
+    <p:sldId id="1815" r:id="rId29"/>
+    <p:sldId id="1750" r:id="rId30"/>
   </p:sldIdLst>
   <p:sldSz cx="12436475" cy="6994525"/>
   <p:notesSz cx="6858000" cy="9144000"/>
@@ -144,6 +148,10 @@
             <p14:sldId id="1705"/>
             <p14:sldId id="1812"/>
             <p14:sldId id="1706"/>
+            <p14:sldId id="1756"/>
+            <p14:sldId id="1751"/>
+            <p14:sldId id="1757"/>
+            <p14:sldId id="1760"/>
             <p14:sldId id="1802"/>
             <p14:sldId id="1810"/>
             <p14:sldId id="1801"/>
@@ -293,7 +301,7 @@
               <a:rPr lang="en-US" smtClean="0">
                 <a:latin typeface="Segoe UI" pitchFamily="34" charset="0"/>
               </a:rPr>
-              <a:t>5/17/2025 3:37 AM</a:t>
+              <a:t>5/17/2025 8:56 AM</a:t>
             </a:fld>
             <a:endParaRPr lang="en-US" dirty="0">
               <a:latin typeface="Segoe UI" pitchFamily="34" charset="0"/>
@@ -574,7 +582,7 @@
           <a:p>
             <a:fld id="{38EEC551-8CDA-4EB6-89BB-2A86C9F091C8}" type="datetime8">
               <a:rPr lang="en-US" smtClean="0"/>
-              <a:t>5/17/2025 3:37 AM</a:t>
+              <a:t>5/17/2025 8:56 AM</a:t>
             </a:fld>
             <a:endParaRPr lang="en-US" dirty="0"/>
           </a:p>
@@ -961,7 +969,7 @@
           <a:p>
             <a:fld id="{38EEC551-8CDA-4EB6-89BB-2A86C9F091C8}" type="datetime8">
               <a:rPr lang="en-US" smtClean="0"/>
-              <a:t>5/17/2025 3:51 AM</a:t>
+              <a:t>5/17/2025 8:56 AM</a:t>
             </a:fld>
             <a:endParaRPr lang="en-US" dirty="0"/>
           </a:p>
@@ -1005,6 +1013,788 @@
 </file>
 
 <file path=ppt/notesSlides/notesSlide10.xml><?xml version="1.0" encoding="utf-8"?>
+<p:notes xmlns:a="http://schemas.openxmlformats.org/drawingml/2006/main" xmlns:r="http://schemas.openxmlformats.org/officeDocument/2006/relationships" xmlns:p="http://schemas.openxmlformats.org/presentationml/2006/main">
+  <p:cSld>
+    <p:spTree>
+      <p:nvGrpSpPr>
+        <p:cNvPr id="1" name=""/>
+        <p:cNvGrpSpPr/>
+        <p:nvPr/>
+      </p:nvGrpSpPr>
+      <p:grpSpPr>
+        <a:xfrm>
+          <a:off x="0" y="0"/>
+          <a:ext cx="0" cy="0"/>
+          <a:chOff x="0" y="0"/>
+          <a:chExt cx="0" cy="0"/>
+        </a:xfrm>
+      </p:grpSpPr>
+      <p:sp>
+        <p:nvSpPr>
+          <p:cNvPr id="2" name="Espaço Reservado para Imagem de Slide 1"/>
+          <p:cNvSpPr>
+            <a:spLocks noGrp="1" noRot="1" noChangeAspect="1"/>
+          </p:cNvSpPr>
+          <p:nvPr>
+            <p:ph type="sldImg"/>
+          </p:nvPr>
+        </p:nvSpPr>
+        <p:spPr/>
+      </p:sp>
+      <p:sp>
+        <p:nvSpPr>
+          <p:cNvPr id="3" name="Espaço Reservado para Anotações 2"/>
+          <p:cNvSpPr>
+            <a:spLocks noGrp="1"/>
+          </p:cNvSpPr>
+          <p:nvPr>
+            <p:ph type="body" idx="1"/>
+          </p:nvPr>
+        </p:nvSpPr>
+        <p:spPr/>
+        <p:txBody>
+          <a:bodyPr/>
+          <a:lstStyle/>
+          <a:p>
+            <a:endParaRPr lang="pt-BR" dirty="0"/>
+          </a:p>
+        </p:txBody>
+      </p:sp>
+      <p:sp>
+        <p:nvSpPr>
+          <p:cNvPr id="4" name="Espaço Reservado para Cabeçalho 3"/>
+          <p:cNvSpPr>
+            <a:spLocks noGrp="1"/>
+          </p:cNvSpPr>
+          <p:nvPr>
+            <p:ph type="hdr" sz="quarter" idx="10"/>
+          </p:nvPr>
+        </p:nvSpPr>
+        <p:spPr/>
+        <p:txBody>
+          <a:bodyPr/>
+          <a:lstStyle/>
+          <a:p>
+            <a:r>
+              <a:rPr lang="en-US"/>
+              <a:t>Microsoft Ignite 2016</a:t>
+            </a:r>
+            <a:endParaRPr lang="en-US" dirty="0"/>
+          </a:p>
+        </p:txBody>
+      </p:sp>
+      <p:sp>
+        <p:nvSpPr>
+          <p:cNvPr id="5" name="Espaço Reservado para Rodapé 4"/>
+          <p:cNvSpPr>
+            <a:spLocks noGrp="1"/>
+          </p:cNvSpPr>
+          <p:nvPr>
+            <p:ph type="ftr" sz="quarter" idx="11"/>
+          </p:nvPr>
+        </p:nvSpPr>
+        <p:spPr/>
+        <p:txBody>
+          <a:bodyPr/>
+          <a:lstStyle/>
+          <a:p>
+            <a:pPr defTabSz="914099" eaLnBrk="0" hangingPunct="0"/>
+            <a:r>
+              <a:rPr lang="en-US" sz="400">
+                <a:gradFill>
+                  <a:gsLst>
+                    <a:gs pos="0">
+                      <a:prstClr val="black"/>
+                    </a:gs>
+                    <a:gs pos="100000">
+                      <a:prstClr val="black"/>
+                    </a:gs>
+                  </a:gsLst>
+                  <a:lin ang="5400000" scaled="0"/>
+                </a:gradFill>
+                <a:latin typeface="Segoe UI" pitchFamily="34" charset="0"/>
+                <a:ea typeface="Segoe UI" pitchFamily="34" charset="0"/>
+                <a:cs typeface="Segoe UI" pitchFamily="34" charset="0"/>
+              </a:rPr>
+              <a:t>© 2016 Microsoft Corporation. All rights reserved. MICROSOFT MAKES NO WARRANTIES, EXPRESS, IMPLIED OR STATUTORY, AS TO THE INFORMATION IN THIS PRESENTATION.</a:t>
+            </a:r>
+            <a:endParaRPr lang="en-US" sz="400" dirty="0">
+              <a:gradFill>
+                <a:gsLst>
+                  <a:gs pos="0">
+                    <a:prstClr val="black"/>
+                  </a:gs>
+                  <a:gs pos="100000">
+                    <a:prstClr val="black"/>
+                  </a:gs>
+                </a:gsLst>
+                <a:lin ang="5400000" scaled="0"/>
+              </a:gradFill>
+              <a:latin typeface="Segoe UI" pitchFamily="34" charset="0"/>
+              <a:ea typeface="Segoe UI" pitchFamily="34" charset="0"/>
+              <a:cs typeface="Segoe UI" pitchFamily="34" charset="0"/>
+            </a:endParaRPr>
+          </a:p>
+        </p:txBody>
+      </p:sp>
+      <p:sp>
+        <p:nvSpPr>
+          <p:cNvPr id="6" name="Espaço Reservado para Data 5"/>
+          <p:cNvSpPr>
+            <a:spLocks noGrp="1"/>
+          </p:cNvSpPr>
+          <p:nvPr>
+            <p:ph type="dt" idx="12"/>
+          </p:nvPr>
+        </p:nvSpPr>
+        <p:spPr/>
+        <p:txBody>
+          <a:bodyPr/>
+          <a:lstStyle/>
+          <a:p>
+            <a:fld id="{38EEC551-8CDA-4EB6-89BB-2A86C9F091C8}" type="datetime8">
+              <a:rPr lang="en-US" smtClean="0"/>
+              <a:t>5/17/2025 8:58 AM</a:t>
+            </a:fld>
+            <a:endParaRPr lang="en-US" dirty="0"/>
+          </a:p>
+        </p:txBody>
+      </p:sp>
+      <p:sp>
+        <p:nvSpPr>
+          <p:cNvPr id="7" name="Espaço Reservado para Número de Slide 6"/>
+          <p:cNvSpPr>
+            <a:spLocks noGrp="1"/>
+          </p:cNvSpPr>
+          <p:nvPr>
+            <p:ph type="sldNum" sz="quarter" idx="13"/>
+          </p:nvPr>
+        </p:nvSpPr>
+        <p:spPr/>
+        <p:txBody>
+          <a:bodyPr/>
+          <a:lstStyle/>
+          <a:p>
+            <a:fld id="{B4008EB6-D09E-4580-8CD6-DDB14511944F}" type="slidenum">
+              <a:rPr lang="en-US" smtClean="0"/>
+              <a:pPr/>
+              <a:t>10</a:t>
+            </a:fld>
+            <a:endParaRPr lang="en-US" dirty="0"/>
+          </a:p>
+        </p:txBody>
+      </p:sp>
+    </p:spTree>
+    <p:extLst>
+      <p:ext uri="{BB962C8B-B14F-4D97-AF65-F5344CB8AC3E}">
+        <p14:creationId xmlns:p14="http://schemas.microsoft.com/office/powerpoint/2010/main" val="3993646736"/>
+      </p:ext>
+    </p:extLst>
+  </p:cSld>
+  <p:clrMapOvr>
+    <a:masterClrMapping/>
+  </p:clrMapOvr>
+</p:notes>
+</file>
+
+<file path=ppt/notesSlides/notesSlide11.xml><?xml version="1.0" encoding="utf-8"?>
+<p:notes xmlns:a="http://schemas.openxmlformats.org/drawingml/2006/main" xmlns:r="http://schemas.openxmlformats.org/officeDocument/2006/relationships" xmlns:p="http://schemas.openxmlformats.org/presentationml/2006/main">
+  <p:cSld>
+    <p:spTree>
+      <p:nvGrpSpPr>
+        <p:cNvPr id="1" name=""/>
+        <p:cNvGrpSpPr/>
+        <p:nvPr/>
+      </p:nvGrpSpPr>
+      <p:grpSpPr>
+        <a:xfrm>
+          <a:off x="0" y="0"/>
+          <a:ext cx="0" cy="0"/>
+          <a:chOff x="0" y="0"/>
+          <a:chExt cx="0" cy="0"/>
+        </a:xfrm>
+      </p:grpSpPr>
+      <p:sp>
+        <p:nvSpPr>
+          <p:cNvPr id="2" name="Espaço Reservado para Imagem de Slide 1"/>
+          <p:cNvSpPr>
+            <a:spLocks noGrp="1" noRot="1" noChangeAspect="1"/>
+          </p:cNvSpPr>
+          <p:nvPr>
+            <p:ph type="sldImg"/>
+          </p:nvPr>
+        </p:nvSpPr>
+        <p:spPr/>
+      </p:sp>
+      <p:sp>
+        <p:nvSpPr>
+          <p:cNvPr id="3" name="Espaço Reservado para Anotações 2"/>
+          <p:cNvSpPr>
+            <a:spLocks noGrp="1"/>
+          </p:cNvSpPr>
+          <p:nvPr>
+            <p:ph type="body" idx="1"/>
+          </p:nvPr>
+        </p:nvSpPr>
+        <p:spPr/>
+        <p:txBody>
+          <a:bodyPr/>
+          <a:lstStyle/>
+          <a:p>
+            <a:endParaRPr lang="pt-BR" dirty="0"/>
+          </a:p>
+        </p:txBody>
+      </p:sp>
+      <p:sp>
+        <p:nvSpPr>
+          <p:cNvPr id="4" name="Espaço Reservado para Cabeçalho 3"/>
+          <p:cNvSpPr>
+            <a:spLocks noGrp="1"/>
+          </p:cNvSpPr>
+          <p:nvPr>
+            <p:ph type="hdr" sz="quarter" idx="10"/>
+          </p:nvPr>
+        </p:nvSpPr>
+        <p:spPr/>
+        <p:txBody>
+          <a:bodyPr/>
+          <a:lstStyle/>
+          <a:p>
+            <a:r>
+              <a:rPr lang="en-US"/>
+              <a:t>Microsoft Ignite 2016</a:t>
+            </a:r>
+            <a:endParaRPr lang="en-US" dirty="0"/>
+          </a:p>
+        </p:txBody>
+      </p:sp>
+      <p:sp>
+        <p:nvSpPr>
+          <p:cNvPr id="5" name="Espaço Reservado para Rodapé 4"/>
+          <p:cNvSpPr>
+            <a:spLocks noGrp="1"/>
+          </p:cNvSpPr>
+          <p:nvPr>
+            <p:ph type="ftr" sz="quarter" idx="11"/>
+          </p:nvPr>
+        </p:nvSpPr>
+        <p:spPr/>
+        <p:txBody>
+          <a:bodyPr/>
+          <a:lstStyle/>
+          <a:p>
+            <a:pPr defTabSz="914099" eaLnBrk="0" hangingPunct="0"/>
+            <a:r>
+              <a:rPr lang="en-US" sz="400">
+                <a:gradFill>
+                  <a:gsLst>
+                    <a:gs pos="0">
+                      <a:prstClr val="black"/>
+                    </a:gs>
+                    <a:gs pos="100000">
+                      <a:prstClr val="black"/>
+                    </a:gs>
+                  </a:gsLst>
+                  <a:lin ang="5400000" scaled="0"/>
+                </a:gradFill>
+                <a:latin typeface="Segoe UI" pitchFamily="34" charset="0"/>
+                <a:ea typeface="Segoe UI" pitchFamily="34" charset="0"/>
+                <a:cs typeface="Segoe UI" pitchFamily="34" charset="0"/>
+              </a:rPr>
+              <a:t>© 2016 Microsoft Corporation. All rights reserved. MICROSOFT MAKES NO WARRANTIES, EXPRESS, IMPLIED OR STATUTORY, AS TO THE INFORMATION IN THIS PRESENTATION.</a:t>
+            </a:r>
+            <a:endParaRPr lang="en-US" sz="400" dirty="0">
+              <a:gradFill>
+                <a:gsLst>
+                  <a:gs pos="0">
+                    <a:prstClr val="black"/>
+                  </a:gs>
+                  <a:gs pos="100000">
+                    <a:prstClr val="black"/>
+                  </a:gs>
+                </a:gsLst>
+                <a:lin ang="5400000" scaled="0"/>
+              </a:gradFill>
+              <a:latin typeface="Segoe UI" pitchFamily="34" charset="0"/>
+              <a:ea typeface="Segoe UI" pitchFamily="34" charset="0"/>
+              <a:cs typeface="Segoe UI" pitchFamily="34" charset="0"/>
+            </a:endParaRPr>
+          </a:p>
+        </p:txBody>
+      </p:sp>
+      <p:sp>
+        <p:nvSpPr>
+          <p:cNvPr id="6" name="Espaço Reservado para Data 5"/>
+          <p:cNvSpPr>
+            <a:spLocks noGrp="1"/>
+          </p:cNvSpPr>
+          <p:nvPr>
+            <p:ph type="dt" idx="12"/>
+          </p:nvPr>
+        </p:nvSpPr>
+        <p:spPr/>
+        <p:txBody>
+          <a:bodyPr/>
+          <a:lstStyle/>
+          <a:p>
+            <a:fld id="{38EEC551-8CDA-4EB6-89BB-2A86C9F091C8}" type="datetime8">
+              <a:rPr lang="en-US" smtClean="0"/>
+              <a:t>5/17/2025 8:58 AM</a:t>
+            </a:fld>
+            <a:endParaRPr lang="en-US" dirty="0"/>
+          </a:p>
+        </p:txBody>
+      </p:sp>
+      <p:sp>
+        <p:nvSpPr>
+          <p:cNvPr id="7" name="Espaço Reservado para Número de Slide 6"/>
+          <p:cNvSpPr>
+            <a:spLocks noGrp="1"/>
+          </p:cNvSpPr>
+          <p:nvPr>
+            <p:ph type="sldNum" sz="quarter" idx="13"/>
+          </p:nvPr>
+        </p:nvSpPr>
+        <p:spPr/>
+        <p:txBody>
+          <a:bodyPr/>
+          <a:lstStyle/>
+          <a:p>
+            <a:fld id="{B4008EB6-D09E-4580-8CD6-DDB14511944F}" type="slidenum">
+              <a:rPr lang="en-US" smtClean="0"/>
+              <a:pPr/>
+              <a:t>11</a:t>
+            </a:fld>
+            <a:endParaRPr lang="en-US" dirty="0"/>
+          </a:p>
+        </p:txBody>
+      </p:sp>
+    </p:spTree>
+    <p:extLst>
+      <p:ext uri="{BB962C8B-B14F-4D97-AF65-F5344CB8AC3E}">
+        <p14:creationId xmlns:p14="http://schemas.microsoft.com/office/powerpoint/2010/main" val="4280629800"/>
+      </p:ext>
+    </p:extLst>
+  </p:cSld>
+  <p:clrMapOvr>
+    <a:masterClrMapping/>
+  </p:clrMapOvr>
+</p:notes>
+</file>
+
+<file path=ppt/notesSlides/notesSlide12.xml><?xml version="1.0" encoding="utf-8"?>
+<p:notes xmlns:a="http://schemas.openxmlformats.org/drawingml/2006/main" xmlns:r="http://schemas.openxmlformats.org/officeDocument/2006/relationships" xmlns:p="http://schemas.openxmlformats.org/presentationml/2006/main">
+  <p:cSld>
+    <p:spTree>
+      <p:nvGrpSpPr>
+        <p:cNvPr id="1" name=""/>
+        <p:cNvGrpSpPr/>
+        <p:nvPr/>
+      </p:nvGrpSpPr>
+      <p:grpSpPr>
+        <a:xfrm>
+          <a:off x="0" y="0"/>
+          <a:ext cx="0" cy="0"/>
+          <a:chOff x="0" y="0"/>
+          <a:chExt cx="0" cy="0"/>
+        </a:xfrm>
+      </p:grpSpPr>
+      <p:sp>
+        <p:nvSpPr>
+          <p:cNvPr id="2" name="Espaço Reservado para Imagem de Slide 1"/>
+          <p:cNvSpPr>
+            <a:spLocks noGrp="1" noRot="1" noChangeAspect="1"/>
+          </p:cNvSpPr>
+          <p:nvPr>
+            <p:ph type="sldImg"/>
+          </p:nvPr>
+        </p:nvSpPr>
+        <p:spPr/>
+      </p:sp>
+      <p:sp>
+        <p:nvSpPr>
+          <p:cNvPr id="3" name="Espaço Reservado para Anotações 2"/>
+          <p:cNvSpPr>
+            <a:spLocks noGrp="1"/>
+          </p:cNvSpPr>
+          <p:nvPr>
+            <p:ph type="body" idx="1"/>
+          </p:nvPr>
+        </p:nvSpPr>
+        <p:spPr/>
+        <p:txBody>
+          <a:bodyPr/>
+          <a:lstStyle/>
+          <a:p>
+            <a:endParaRPr lang="pt-BR" dirty="0"/>
+          </a:p>
+        </p:txBody>
+      </p:sp>
+      <p:sp>
+        <p:nvSpPr>
+          <p:cNvPr id="4" name="Espaço Reservado para Cabeçalho 3"/>
+          <p:cNvSpPr>
+            <a:spLocks noGrp="1"/>
+          </p:cNvSpPr>
+          <p:nvPr>
+            <p:ph type="hdr" sz="quarter" idx="10"/>
+          </p:nvPr>
+        </p:nvSpPr>
+        <p:spPr/>
+        <p:txBody>
+          <a:bodyPr/>
+          <a:lstStyle/>
+          <a:p>
+            <a:r>
+              <a:rPr lang="en-US"/>
+              <a:t>Microsoft Ignite 2016</a:t>
+            </a:r>
+            <a:endParaRPr lang="en-US" dirty="0"/>
+          </a:p>
+        </p:txBody>
+      </p:sp>
+      <p:sp>
+        <p:nvSpPr>
+          <p:cNvPr id="5" name="Espaço Reservado para Rodapé 4"/>
+          <p:cNvSpPr>
+            <a:spLocks noGrp="1"/>
+          </p:cNvSpPr>
+          <p:nvPr>
+            <p:ph type="ftr" sz="quarter" idx="11"/>
+          </p:nvPr>
+        </p:nvSpPr>
+        <p:spPr/>
+        <p:txBody>
+          <a:bodyPr/>
+          <a:lstStyle/>
+          <a:p>
+            <a:pPr defTabSz="914099" eaLnBrk="0" hangingPunct="0"/>
+            <a:r>
+              <a:rPr lang="en-US" sz="400">
+                <a:gradFill>
+                  <a:gsLst>
+                    <a:gs pos="0">
+                      <a:prstClr val="black"/>
+                    </a:gs>
+                    <a:gs pos="100000">
+                      <a:prstClr val="black"/>
+                    </a:gs>
+                  </a:gsLst>
+                  <a:lin ang="5400000" scaled="0"/>
+                </a:gradFill>
+                <a:latin typeface="Segoe UI" pitchFamily="34" charset="0"/>
+                <a:ea typeface="Segoe UI" pitchFamily="34" charset="0"/>
+                <a:cs typeface="Segoe UI" pitchFamily="34" charset="0"/>
+              </a:rPr>
+              <a:t>© 2016 Microsoft Corporation. All rights reserved. MICROSOFT MAKES NO WARRANTIES, EXPRESS, IMPLIED OR STATUTORY, AS TO THE INFORMATION IN THIS PRESENTATION.</a:t>
+            </a:r>
+            <a:endParaRPr lang="en-US" sz="400" dirty="0">
+              <a:gradFill>
+                <a:gsLst>
+                  <a:gs pos="0">
+                    <a:prstClr val="black"/>
+                  </a:gs>
+                  <a:gs pos="100000">
+                    <a:prstClr val="black"/>
+                  </a:gs>
+                </a:gsLst>
+                <a:lin ang="5400000" scaled="0"/>
+              </a:gradFill>
+              <a:latin typeface="Segoe UI" pitchFamily="34" charset="0"/>
+              <a:ea typeface="Segoe UI" pitchFamily="34" charset="0"/>
+              <a:cs typeface="Segoe UI" pitchFamily="34" charset="0"/>
+            </a:endParaRPr>
+          </a:p>
+        </p:txBody>
+      </p:sp>
+      <p:sp>
+        <p:nvSpPr>
+          <p:cNvPr id="6" name="Espaço Reservado para Data 5"/>
+          <p:cNvSpPr>
+            <a:spLocks noGrp="1"/>
+          </p:cNvSpPr>
+          <p:nvPr>
+            <p:ph type="dt" idx="12"/>
+          </p:nvPr>
+        </p:nvSpPr>
+        <p:spPr/>
+        <p:txBody>
+          <a:bodyPr/>
+          <a:lstStyle/>
+          <a:p>
+            <a:fld id="{38EEC551-8CDA-4EB6-89BB-2A86C9F091C8}" type="datetime8">
+              <a:rPr lang="en-US" smtClean="0"/>
+              <a:t>5/17/2025 8:59 AM</a:t>
+            </a:fld>
+            <a:endParaRPr lang="en-US" dirty="0"/>
+          </a:p>
+        </p:txBody>
+      </p:sp>
+      <p:sp>
+        <p:nvSpPr>
+          <p:cNvPr id="7" name="Espaço Reservado para Número de Slide 6"/>
+          <p:cNvSpPr>
+            <a:spLocks noGrp="1"/>
+          </p:cNvSpPr>
+          <p:nvPr>
+            <p:ph type="sldNum" sz="quarter" idx="13"/>
+          </p:nvPr>
+        </p:nvSpPr>
+        <p:spPr/>
+        <p:txBody>
+          <a:bodyPr/>
+          <a:lstStyle/>
+          <a:p>
+            <a:fld id="{B4008EB6-D09E-4580-8CD6-DDB14511944F}" type="slidenum">
+              <a:rPr lang="en-US" smtClean="0"/>
+              <a:pPr/>
+              <a:t>12</a:t>
+            </a:fld>
+            <a:endParaRPr lang="en-US" dirty="0"/>
+          </a:p>
+        </p:txBody>
+      </p:sp>
+    </p:spTree>
+    <p:extLst>
+      <p:ext uri="{BB962C8B-B14F-4D97-AF65-F5344CB8AC3E}">
+        <p14:creationId xmlns:p14="http://schemas.microsoft.com/office/powerpoint/2010/main" val="3401006376"/>
+      </p:ext>
+    </p:extLst>
+  </p:cSld>
+  <p:clrMapOvr>
+    <a:masterClrMapping/>
+  </p:clrMapOvr>
+</p:notes>
+</file>
+
+<file path=ppt/notesSlides/notesSlide13.xml><?xml version="1.0" encoding="utf-8"?>
+<p:notes xmlns:a="http://schemas.openxmlformats.org/drawingml/2006/main" xmlns:r="http://schemas.openxmlformats.org/officeDocument/2006/relationships" xmlns:p="http://schemas.openxmlformats.org/presentationml/2006/main">
+  <p:cSld>
+    <p:spTree>
+      <p:nvGrpSpPr>
+        <p:cNvPr id="1" name="">
+          <a:extLst>
+            <a:ext uri="{FF2B5EF4-FFF2-40B4-BE49-F238E27FC236}">
+              <a16:creationId xmlns:a16="http://schemas.microsoft.com/office/drawing/2014/main" id="{2D141DB4-E59A-8B90-50CE-C7EDD089C206}"/>
+            </a:ext>
+          </a:extLst>
+        </p:cNvPr>
+        <p:cNvGrpSpPr/>
+        <p:nvPr/>
+      </p:nvGrpSpPr>
+      <p:grpSpPr>
+        <a:xfrm>
+          <a:off x="0" y="0"/>
+          <a:ext cx="0" cy="0"/>
+          <a:chOff x="0" y="0"/>
+          <a:chExt cx="0" cy="0"/>
+        </a:xfrm>
+      </p:grpSpPr>
+      <p:sp>
+        <p:nvSpPr>
+          <p:cNvPr id="2" name="Espaço Reservado para Imagem de Slide 1">
+            <a:extLst>
+              <a:ext uri="{FF2B5EF4-FFF2-40B4-BE49-F238E27FC236}">
+                <a16:creationId xmlns:a16="http://schemas.microsoft.com/office/drawing/2014/main" id="{2F40E129-0C3C-4942-F934-5A737D70E1DB}"/>
+              </a:ext>
+            </a:extLst>
+          </p:cNvPr>
+          <p:cNvSpPr>
+            <a:spLocks noGrp="1" noRot="1" noChangeAspect="1"/>
+          </p:cNvSpPr>
+          <p:nvPr>
+            <p:ph type="sldImg"/>
+          </p:nvPr>
+        </p:nvSpPr>
+        <p:spPr/>
+      </p:sp>
+      <p:sp>
+        <p:nvSpPr>
+          <p:cNvPr id="3" name="Espaço Reservado para Anotações 2">
+            <a:extLst>
+              <a:ext uri="{FF2B5EF4-FFF2-40B4-BE49-F238E27FC236}">
+                <a16:creationId xmlns:a16="http://schemas.microsoft.com/office/drawing/2014/main" id="{2E29856A-8B4E-28F2-FD8F-654816CFCAF5}"/>
+              </a:ext>
+            </a:extLst>
+          </p:cNvPr>
+          <p:cNvSpPr>
+            <a:spLocks noGrp="1"/>
+          </p:cNvSpPr>
+          <p:nvPr>
+            <p:ph type="body" idx="1"/>
+          </p:nvPr>
+        </p:nvSpPr>
+        <p:spPr/>
+        <p:txBody>
+          <a:bodyPr/>
+          <a:lstStyle/>
+          <a:p>
+            <a:endParaRPr lang="pt-BR" dirty="0"/>
+          </a:p>
+        </p:txBody>
+      </p:sp>
+      <p:sp>
+        <p:nvSpPr>
+          <p:cNvPr id="4" name="Espaço Reservado para Cabeçalho 3">
+            <a:extLst>
+              <a:ext uri="{FF2B5EF4-FFF2-40B4-BE49-F238E27FC236}">
+                <a16:creationId xmlns:a16="http://schemas.microsoft.com/office/drawing/2014/main" id="{2270175B-9A5B-0F52-4845-23E0C07BA723}"/>
+              </a:ext>
+            </a:extLst>
+          </p:cNvPr>
+          <p:cNvSpPr>
+            <a:spLocks noGrp="1"/>
+          </p:cNvSpPr>
+          <p:nvPr>
+            <p:ph type="hdr" sz="quarter" idx="10"/>
+          </p:nvPr>
+        </p:nvSpPr>
+        <p:spPr/>
+        <p:txBody>
+          <a:bodyPr/>
+          <a:lstStyle/>
+          <a:p>
+            <a:r>
+              <a:rPr lang="en-US"/>
+              <a:t>Microsoft Ignite 2016</a:t>
+            </a:r>
+            <a:endParaRPr lang="en-US" dirty="0"/>
+          </a:p>
+        </p:txBody>
+      </p:sp>
+      <p:sp>
+        <p:nvSpPr>
+          <p:cNvPr id="5" name="Espaço Reservado para Rodapé 4">
+            <a:extLst>
+              <a:ext uri="{FF2B5EF4-FFF2-40B4-BE49-F238E27FC236}">
+                <a16:creationId xmlns:a16="http://schemas.microsoft.com/office/drawing/2014/main" id="{5D5D83C9-C540-415B-8076-565210A4442E}"/>
+              </a:ext>
+            </a:extLst>
+          </p:cNvPr>
+          <p:cNvSpPr>
+            <a:spLocks noGrp="1"/>
+          </p:cNvSpPr>
+          <p:nvPr>
+            <p:ph type="ftr" sz="quarter" idx="11"/>
+          </p:nvPr>
+        </p:nvSpPr>
+        <p:spPr/>
+        <p:txBody>
+          <a:bodyPr/>
+          <a:lstStyle/>
+          <a:p>
+            <a:pPr defTabSz="914099" eaLnBrk="0" hangingPunct="0"/>
+            <a:r>
+              <a:rPr lang="en-US" sz="400">
+                <a:gradFill>
+                  <a:gsLst>
+                    <a:gs pos="0">
+                      <a:prstClr val="black"/>
+                    </a:gs>
+                    <a:gs pos="100000">
+                      <a:prstClr val="black"/>
+                    </a:gs>
+                  </a:gsLst>
+                  <a:lin ang="5400000" scaled="0"/>
+                </a:gradFill>
+                <a:latin typeface="Segoe UI" pitchFamily="34" charset="0"/>
+                <a:ea typeface="Segoe UI" pitchFamily="34" charset="0"/>
+                <a:cs typeface="Segoe UI" pitchFamily="34" charset="0"/>
+              </a:rPr>
+              <a:t>© 2016 Microsoft Corporation. All rights reserved. MICROSOFT MAKES NO WARRANTIES, EXPRESS, IMPLIED OR STATUTORY, AS TO THE INFORMATION IN THIS PRESENTATION.</a:t>
+            </a:r>
+            <a:endParaRPr lang="en-US" sz="400" dirty="0">
+              <a:gradFill>
+                <a:gsLst>
+                  <a:gs pos="0">
+                    <a:prstClr val="black"/>
+                  </a:gs>
+                  <a:gs pos="100000">
+                    <a:prstClr val="black"/>
+                  </a:gs>
+                </a:gsLst>
+                <a:lin ang="5400000" scaled="0"/>
+              </a:gradFill>
+              <a:latin typeface="Segoe UI" pitchFamily="34" charset="0"/>
+              <a:ea typeface="Segoe UI" pitchFamily="34" charset="0"/>
+              <a:cs typeface="Segoe UI" pitchFamily="34" charset="0"/>
+            </a:endParaRPr>
+          </a:p>
+        </p:txBody>
+      </p:sp>
+      <p:sp>
+        <p:nvSpPr>
+          <p:cNvPr id="6" name="Espaço Reservado para Data 5">
+            <a:extLst>
+              <a:ext uri="{FF2B5EF4-FFF2-40B4-BE49-F238E27FC236}">
+                <a16:creationId xmlns:a16="http://schemas.microsoft.com/office/drawing/2014/main" id="{BC2285B6-D390-1711-2728-45FBA4129955}"/>
+              </a:ext>
+            </a:extLst>
+          </p:cNvPr>
+          <p:cNvSpPr>
+            <a:spLocks noGrp="1"/>
+          </p:cNvSpPr>
+          <p:nvPr>
+            <p:ph type="dt" idx="12"/>
+          </p:nvPr>
+        </p:nvSpPr>
+        <p:spPr/>
+        <p:txBody>
+          <a:bodyPr/>
+          <a:lstStyle/>
+          <a:p>
+            <a:fld id="{38EEC551-8CDA-4EB6-89BB-2A86C9F091C8}" type="datetime8">
+              <a:rPr lang="en-US" smtClean="0"/>
+              <a:t>5/17/2025 8:56 AM</a:t>
+            </a:fld>
+            <a:endParaRPr lang="en-US" dirty="0"/>
+          </a:p>
+        </p:txBody>
+      </p:sp>
+      <p:sp>
+        <p:nvSpPr>
+          <p:cNvPr id="7" name="Espaço Reservado para Número de Slide 6">
+            <a:extLst>
+              <a:ext uri="{FF2B5EF4-FFF2-40B4-BE49-F238E27FC236}">
+                <a16:creationId xmlns:a16="http://schemas.microsoft.com/office/drawing/2014/main" id="{0D188723-D452-394A-C7D4-28A74DB621EB}"/>
+              </a:ext>
+            </a:extLst>
+          </p:cNvPr>
+          <p:cNvSpPr>
+            <a:spLocks noGrp="1"/>
+          </p:cNvSpPr>
+          <p:nvPr>
+            <p:ph type="sldNum" sz="quarter" idx="13"/>
+          </p:nvPr>
+        </p:nvSpPr>
+        <p:spPr/>
+        <p:txBody>
+          <a:bodyPr/>
+          <a:lstStyle/>
+          <a:p>
+            <a:fld id="{B4008EB6-D09E-4580-8CD6-DDB14511944F}" type="slidenum">
+              <a:rPr lang="en-US" smtClean="0"/>
+              <a:pPr/>
+              <a:t>13</a:t>
+            </a:fld>
+            <a:endParaRPr lang="en-US" dirty="0"/>
+          </a:p>
+        </p:txBody>
+      </p:sp>
+    </p:spTree>
+    <p:extLst>
+      <p:ext uri="{BB962C8B-B14F-4D97-AF65-F5344CB8AC3E}">
+        <p14:creationId xmlns:p14="http://schemas.microsoft.com/office/powerpoint/2010/main" val="3293732348"/>
+      </p:ext>
+    </p:extLst>
+  </p:cSld>
+  <p:clrMapOvr>
+    <a:masterClrMapping/>
+  </p:clrMapOvr>
+</p:notes>
+</file>
+
+<file path=ppt/notesSlides/notesSlide14.xml><?xml version="1.0" encoding="utf-8"?>
 <p:notes xmlns:a="http://schemas.openxmlformats.org/drawingml/2006/main" xmlns:r="http://schemas.openxmlformats.org/officeDocument/2006/relationships" xmlns:p="http://schemas.openxmlformats.org/presentationml/2006/main">
   <p:cSld>
     <p:spTree>
@@ -1182,7 +1972,7 @@
           <a:p>
             <a:fld id="{38EEC551-8CDA-4EB6-89BB-2A86C9F091C8}" type="datetime8">
               <a:rPr lang="en-US" smtClean="0"/>
-              <a:t>5/17/2025 3:37 AM</a:t>
+              <a:t>5/17/2025 8:56 AM</a:t>
             </a:fld>
             <a:endParaRPr lang="en-US" dirty="0"/>
           </a:p>
@@ -1212,7 +2002,7 @@
             <a:fld id="{B4008EB6-D09E-4580-8CD6-DDB14511944F}" type="slidenum">
               <a:rPr lang="en-US" smtClean="0"/>
               <a:pPr/>
-              <a:t>10</a:t>
+              <a:t>14</a:t>
             </a:fld>
             <a:endParaRPr lang="en-US" dirty="0"/>
           </a:p>
@@ -1231,7 +2021,7 @@
 </p:notes>
 </file>
 
-<file path=ppt/notesSlides/notesSlide11.xml><?xml version="1.0" encoding="utf-8"?>
+<file path=ppt/notesSlides/notesSlide15.xml><?xml version="1.0" encoding="utf-8"?>
 <p:notes xmlns:a="http://schemas.openxmlformats.org/drawingml/2006/main" xmlns:r="http://schemas.openxmlformats.org/officeDocument/2006/relationships" xmlns:p="http://schemas.openxmlformats.org/presentationml/2006/main">
   <p:cSld>
     <p:spTree>
@@ -1409,7 +2199,7 @@
           <a:p>
             <a:fld id="{38EEC551-8CDA-4EB6-89BB-2A86C9F091C8}" type="datetime8">
               <a:rPr lang="en-US" smtClean="0"/>
-              <a:t>5/17/2025 3:37 AM</a:t>
+              <a:t>5/17/2025 8:56 AM</a:t>
             </a:fld>
             <a:endParaRPr lang="en-US" dirty="0"/>
           </a:p>
@@ -1439,7 +2229,7 @@
             <a:fld id="{B4008EB6-D09E-4580-8CD6-DDB14511944F}" type="slidenum">
               <a:rPr lang="en-US" smtClean="0"/>
               <a:pPr/>
-              <a:t>11</a:t>
+              <a:t>15</a:t>
             </a:fld>
             <a:endParaRPr lang="en-US" dirty="0"/>
           </a:p>
@@ -1458,7 +2248,7 @@
 </p:notes>
 </file>
 
-<file path=ppt/notesSlides/notesSlide12.xml><?xml version="1.0" encoding="utf-8"?>
+<file path=ppt/notesSlides/notesSlide16.xml><?xml version="1.0" encoding="utf-8"?>
 <p:notes xmlns:a="http://schemas.openxmlformats.org/drawingml/2006/main" xmlns:r="http://schemas.openxmlformats.org/officeDocument/2006/relationships" xmlns:p="http://schemas.openxmlformats.org/presentationml/2006/main">
   <p:cSld>
     <p:spTree>
@@ -1636,7 +2426,7 @@
           <a:p>
             <a:fld id="{38EEC551-8CDA-4EB6-89BB-2A86C9F091C8}" type="datetime8">
               <a:rPr lang="en-US" smtClean="0"/>
-              <a:t>5/17/2025 3:37 AM</a:t>
+              <a:t>5/17/2025 8:56 AM</a:t>
             </a:fld>
             <a:endParaRPr lang="en-US" dirty="0"/>
           </a:p>
@@ -1666,7 +2456,7 @@
             <a:fld id="{B4008EB6-D09E-4580-8CD6-DDB14511944F}" type="slidenum">
               <a:rPr lang="en-US" smtClean="0"/>
               <a:pPr/>
-              <a:t>12</a:t>
+              <a:t>16</a:t>
             </a:fld>
             <a:endParaRPr lang="en-US" dirty="0"/>
           </a:p>
@@ -1685,7 +2475,7 @@
 </p:notes>
 </file>
 
-<file path=ppt/notesSlides/notesSlide13.xml><?xml version="1.0" encoding="utf-8"?>
+<file path=ppt/notesSlides/notesSlide17.xml><?xml version="1.0" encoding="utf-8"?>
 <p:notes xmlns:a="http://schemas.openxmlformats.org/drawingml/2006/main" xmlns:r="http://schemas.openxmlformats.org/officeDocument/2006/relationships" xmlns:p="http://schemas.openxmlformats.org/presentationml/2006/main">
   <p:cSld>
     <p:spTree>
@@ -1863,7 +2653,7 @@
           <a:p>
             <a:fld id="{38EEC551-8CDA-4EB6-89BB-2A86C9F091C8}" type="datetime8">
               <a:rPr lang="en-US" smtClean="0"/>
-              <a:t>5/17/2025 3:37 AM</a:t>
+              <a:t>5/17/2025 8:56 AM</a:t>
             </a:fld>
             <a:endParaRPr lang="en-US" dirty="0"/>
           </a:p>
@@ -1893,7 +2683,7 @@
             <a:fld id="{B4008EB6-D09E-4580-8CD6-DDB14511944F}" type="slidenum">
               <a:rPr lang="en-US" smtClean="0"/>
               <a:pPr/>
-              <a:t>13</a:t>
+              <a:t>17</a:t>
             </a:fld>
             <a:endParaRPr lang="en-US" dirty="0"/>
           </a:p>
@@ -1912,7 +2702,7 @@
 </p:notes>
 </file>
 
-<file path=ppt/notesSlides/notesSlide14.xml><?xml version="1.0" encoding="utf-8"?>
+<file path=ppt/notesSlides/notesSlide18.xml><?xml version="1.0" encoding="utf-8"?>
 <p:notes xmlns:a="http://schemas.openxmlformats.org/drawingml/2006/main" xmlns:r="http://schemas.openxmlformats.org/officeDocument/2006/relationships" xmlns:p="http://schemas.openxmlformats.org/presentationml/2006/main">
   <p:cSld>
     <p:spTree>
@@ -2090,7 +2880,7 @@
           <a:p>
             <a:fld id="{38EEC551-8CDA-4EB6-89BB-2A86C9F091C8}" type="datetime8">
               <a:rPr lang="en-US" smtClean="0"/>
-              <a:t>5/17/2025 3:37 AM</a:t>
+              <a:t>5/17/2025 8:56 AM</a:t>
             </a:fld>
             <a:endParaRPr lang="en-US" dirty="0"/>
           </a:p>
@@ -2120,7 +2910,7 @@
             <a:fld id="{B4008EB6-D09E-4580-8CD6-DDB14511944F}" type="slidenum">
               <a:rPr lang="en-US" smtClean="0"/>
               <a:pPr/>
-              <a:t>14</a:t>
+              <a:t>18</a:t>
             </a:fld>
             <a:endParaRPr lang="en-US" dirty="0"/>
           </a:p>
@@ -2139,7 +2929,7 @@
 </p:notes>
 </file>
 
-<file path=ppt/notesSlides/notesSlide15.xml><?xml version="1.0" encoding="utf-8"?>
+<file path=ppt/notesSlides/notesSlide19.xml><?xml version="1.0" encoding="utf-8"?>
 <p:notes xmlns:a="http://schemas.openxmlformats.org/drawingml/2006/main" xmlns:r="http://schemas.openxmlformats.org/officeDocument/2006/relationships" xmlns:p="http://schemas.openxmlformats.org/presentationml/2006/main">
   <p:cSld>
     <p:spTree>
@@ -2317,7 +3107,7 @@
           <a:p>
             <a:fld id="{38EEC551-8CDA-4EB6-89BB-2A86C9F091C8}" type="datetime8">
               <a:rPr lang="en-US" smtClean="0"/>
-              <a:t>5/17/2025 3:37 AM</a:t>
+              <a:t>5/17/2025 8:56 AM</a:t>
             </a:fld>
             <a:endParaRPr lang="en-US" dirty="0"/>
           </a:p>
@@ -2347,7 +3137,7 @@
             <a:fld id="{B4008EB6-D09E-4580-8CD6-DDB14511944F}" type="slidenum">
               <a:rPr lang="en-US" smtClean="0"/>
               <a:pPr/>
-              <a:t>15</a:t>
+              <a:t>19</a:t>
             </a:fld>
             <a:endParaRPr lang="en-US" dirty="0"/>
           </a:p>
@@ -2366,7 +3156,92 @@
 </p:notes>
 </file>
 
-<file path=ppt/notesSlides/notesSlide16.xml><?xml version="1.0" encoding="utf-8"?>
+<file path=ppt/notesSlides/notesSlide2.xml><?xml version="1.0" encoding="utf-8"?>
+<p:notes xmlns:a="http://schemas.openxmlformats.org/drawingml/2006/main" xmlns:r="http://schemas.openxmlformats.org/officeDocument/2006/relationships" xmlns:p="http://schemas.openxmlformats.org/presentationml/2006/main">
+  <p:cSld>
+    <p:spTree>
+      <p:nvGrpSpPr>
+        <p:cNvPr id="1" name=""/>
+        <p:cNvGrpSpPr/>
+        <p:nvPr/>
+      </p:nvGrpSpPr>
+      <p:grpSpPr>
+        <a:xfrm>
+          <a:off x="0" y="0"/>
+          <a:ext cx="0" cy="0"/>
+          <a:chOff x="0" y="0"/>
+          <a:chExt cx="0" cy="0"/>
+        </a:xfrm>
+      </p:grpSpPr>
+      <p:sp>
+        <p:nvSpPr>
+          <p:cNvPr id="2" name="Espaço Reservado para Imagem de Slide 1"/>
+          <p:cNvSpPr>
+            <a:spLocks noGrp="1" noRot="1" noChangeAspect="1"/>
+          </p:cNvSpPr>
+          <p:nvPr>
+            <p:ph type="sldImg"/>
+          </p:nvPr>
+        </p:nvSpPr>
+        <p:spPr/>
+      </p:sp>
+      <p:sp>
+        <p:nvSpPr>
+          <p:cNvPr id="3" name="Espaço Reservado para Anotações 2"/>
+          <p:cNvSpPr>
+            <a:spLocks noGrp="1"/>
+          </p:cNvSpPr>
+          <p:nvPr>
+            <p:ph type="body" idx="1"/>
+          </p:nvPr>
+        </p:nvSpPr>
+        <p:spPr/>
+        <p:txBody>
+          <a:bodyPr/>
+          <a:lstStyle/>
+          <a:p>
+            <a:endParaRPr lang="pt-BR" dirty="0"/>
+          </a:p>
+        </p:txBody>
+      </p:sp>
+      <p:sp>
+        <p:nvSpPr>
+          <p:cNvPr id="4" name="Espaço Reservado para Número de Slide 3"/>
+          <p:cNvSpPr>
+            <a:spLocks noGrp="1"/>
+          </p:cNvSpPr>
+          <p:nvPr>
+            <p:ph type="sldNum" sz="quarter" idx="10"/>
+          </p:nvPr>
+        </p:nvSpPr>
+        <p:spPr/>
+        <p:txBody>
+          <a:bodyPr/>
+          <a:lstStyle/>
+          <a:p>
+            <a:fld id="{8B263312-38AA-4E1E-B2B5-0F8F122B24FE}" type="slidenum">
+              <a:rPr lang="en-US" smtClean="0"/>
+              <a:pPr/>
+              <a:t>2</a:t>
+            </a:fld>
+            <a:endParaRPr lang="en-US"/>
+          </a:p>
+        </p:txBody>
+      </p:sp>
+    </p:spTree>
+    <p:extLst>
+      <p:ext uri="{BB962C8B-B14F-4D97-AF65-F5344CB8AC3E}">
+        <p14:creationId xmlns:p14="http://schemas.microsoft.com/office/powerpoint/2010/main" val="4078595186"/>
+      </p:ext>
+    </p:extLst>
+  </p:cSld>
+  <p:clrMapOvr>
+    <a:masterClrMapping/>
+  </p:clrMapOvr>
+</p:notes>
+</file>
+
+<file path=ppt/notesSlides/notesSlide20.xml><?xml version="1.0" encoding="utf-8"?>
 <p:notes xmlns:a="http://schemas.openxmlformats.org/drawingml/2006/main" xmlns:r="http://schemas.openxmlformats.org/officeDocument/2006/relationships" xmlns:p="http://schemas.openxmlformats.org/presentationml/2006/main">
   <p:cSld>
     <p:spTree>
@@ -2544,7 +3419,7 @@
           <a:p>
             <a:fld id="{38EEC551-8CDA-4EB6-89BB-2A86C9F091C8}" type="datetime8">
               <a:rPr lang="en-US" smtClean="0"/>
-              <a:t>5/17/2025 3:37 AM</a:t>
+              <a:t>5/17/2025 8:56 AM</a:t>
             </a:fld>
             <a:endParaRPr lang="en-US" dirty="0"/>
           </a:p>
@@ -2574,7 +3449,7 @@
             <a:fld id="{B4008EB6-D09E-4580-8CD6-DDB14511944F}" type="slidenum">
               <a:rPr lang="en-US" smtClean="0"/>
               <a:pPr/>
-              <a:t>16</a:t>
+              <a:t>20</a:t>
             </a:fld>
             <a:endParaRPr lang="en-US" dirty="0"/>
           </a:p>
@@ -2593,7 +3468,7 @@
 </p:notes>
 </file>
 
-<file path=ppt/notesSlides/notesSlide17.xml><?xml version="1.0" encoding="utf-8"?>
+<file path=ppt/notesSlides/notesSlide21.xml><?xml version="1.0" encoding="utf-8"?>
 <p:notes xmlns:a="http://schemas.openxmlformats.org/drawingml/2006/main" xmlns:r="http://schemas.openxmlformats.org/officeDocument/2006/relationships" xmlns:p="http://schemas.openxmlformats.org/presentationml/2006/main">
   <p:cSld>
     <p:spTree>
@@ -2771,7 +3646,7 @@
           <a:p>
             <a:fld id="{38EEC551-8CDA-4EB6-89BB-2A86C9F091C8}" type="datetime8">
               <a:rPr lang="en-US" smtClean="0"/>
-              <a:t>5/17/2025 3:37 AM</a:t>
+              <a:t>5/17/2025 8:56 AM</a:t>
             </a:fld>
             <a:endParaRPr lang="en-US" dirty="0"/>
           </a:p>
@@ -2801,7 +3676,7 @@
             <a:fld id="{B4008EB6-D09E-4580-8CD6-DDB14511944F}" type="slidenum">
               <a:rPr lang="en-US" smtClean="0"/>
               <a:pPr/>
-              <a:t>17</a:t>
+              <a:t>21</a:t>
             </a:fld>
             <a:endParaRPr lang="en-US" dirty="0"/>
           </a:p>
@@ -2820,7 +3695,7 @@
 </p:notes>
 </file>
 
-<file path=ppt/notesSlides/notesSlide18.xml><?xml version="1.0" encoding="utf-8"?>
+<file path=ppt/notesSlides/notesSlide22.xml><?xml version="1.0" encoding="utf-8"?>
 <p:notes xmlns:a="http://schemas.openxmlformats.org/drawingml/2006/main" xmlns:r="http://schemas.openxmlformats.org/officeDocument/2006/relationships" xmlns:p="http://schemas.openxmlformats.org/presentationml/2006/main">
   <p:cSld>
     <p:spTree>
@@ -2998,7 +3873,7 @@
           <a:p>
             <a:fld id="{38EEC551-8CDA-4EB6-89BB-2A86C9F091C8}" type="datetime8">
               <a:rPr lang="en-US" smtClean="0"/>
-              <a:t>5/17/2025 3:56 AM</a:t>
+              <a:t>5/17/2025 8:56 AM</a:t>
             </a:fld>
             <a:endParaRPr lang="en-US" dirty="0"/>
           </a:p>
@@ -3028,7 +3903,7 @@
             <a:fld id="{B4008EB6-D09E-4580-8CD6-DDB14511944F}" type="slidenum">
               <a:rPr lang="en-US" smtClean="0"/>
               <a:pPr/>
-              <a:t>18</a:t>
+              <a:t>22</a:t>
             </a:fld>
             <a:endParaRPr lang="en-US" dirty="0"/>
           </a:p>
@@ -3047,7 +3922,7 @@
 </p:notes>
 </file>
 
-<file path=ppt/notesSlides/notesSlide19.xml><?xml version="1.0" encoding="utf-8"?>
+<file path=ppt/notesSlides/notesSlide23.xml><?xml version="1.0" encoding="utf-8"?>
 <p:notes xmlns:a="http://schemas.openxmlformats.org/drawingml/2006/main" xmlns:r="http://schemas.openxmlformats.org/officeDocument/2006/relationships" xmlns:p="http://schemas.openxmlformats.org/presentationml/2006/main">
   <p:cSld>
     <p:spTree>
@@ -3282,7 +4157,7 @@
                 <a:tabLst/>
                 <a:defRPr/>
               </a:pPr>
-              <a:t>5/17/2025 3:37 AM</a:t>
+              <a:t>5/17/2025 8:56 AM</a:t>
             </a:fld>
             <a:endParaRPr kumimoji="0" lang="en-US" sz="1800" b="0" i="0" u="none" strike="noStrike" kern="0" cap="none" spc="0" normalizeH="0" baseline="0" noProof="0">
               <a:ln>
@@ -3359,7 +4234,7 @@
                 <a:tabLst/>
                 <a:defRPr/>
               </a:pPr>
-              <a:t>19</a:t>
+              <a:t>23</a:t>
             </a:fld>
             <a:endParaRPr kumimoji="0" lang="en-US" sz="1800" b="0" i="0" u="none" strike="noStrike" kern="0" cap="none" spc="0" normalizeH="0" baseline="0" noProof="0">
               <a:ln>
@@ -3379,91 +4254,6 @@
     <p:extLst>
       <p:ext uri="{BB962C8B-B14F-4D97-AF65-F5344CB8AC3E}">
         <p14:creationId xmlns:p14="http://schemas.microsoft.com/office/powerpoint/2010/main" val="20158041"/>
-      </p:ext>
-    </p:extLst>
-  </p:cSld>
-  <p:clrMapOvr>
-    <a:masterClrMapping/>
-  </p:clrMapOvr>
-</p:notes>
-</file>
-
-<file path=ppt/notesSlides/notesSlide2.xml><?xml version="1.0" encoding="utf-8"?>
-<p:notes xmlns:a="http://schemas.openxmlformats.org/drawingml/2006/main" xmlns:r="http://schemas.openxmlformats.org/officeDocument/2006/relationships" xmlns:p="http://schemas.openxmlformats.org/presentationml/2006/main">
-  <p:cSld>
-    <p:spTree>
-      <p:nvGrpSpPr>
-        <p:cNvPr id="1" name=""/>
-        <p:cNvGrpSpPr/>
-        <p:nvPr/>
-      </p:nvGrpSpPr>
-      <p:grpSpPr>
-        <a:xfrm>
-          <a:off x="0" y="0"/>
-          <a:ext cx="0" cy="0"/>
-          <a:chOff x="0" y="0"/>
-          <a:chExt cx="0" cy="0"/>
-        </a:xfrm>
-      </p:grpSpPr>
-      <p:sp>
-        <p:nvSpPr>
-          <p:cNvPr id="2" name="Espaço Reservado para Imagem de Slide 1"/>
-          <p:cNvSpPr>
-            <a:spLocks noGrp="1" noRot="1" noChangeAspect="1"/>
-          </p:cNvSpPr>
-          <p:nvPr>
-            <p:ph type="sldImg"/>
-          </p:nvPr>
-        </p:nvSpPr>
-        <p:spPr/>
-      </p:sp>
-      <p:sp>
-        <p:nvSpPr>
-          <p:cNvPr id="3" name="Espaço Reservado para Anotações 2"/>
-          <p:cNvSpPr>
-            <a:spLocks noGrp="1"/>
-          </p:cNvSpPr>
-          <p:nvPr>
-            <p:ph type="body" idx="1"/>
-          </p:nvPr>
-        </p:nvSpPr>
-        <p:spPr/>
-        <p:txBody>
-          <a:bodyPr/>
-          <a:lstStyle/>
-          <a:p>
-            <a:endParaRPr lang="pt-BR" dirty="0"/>
-          </a:p>
-        </p:txBody>
-      </p:sp>
-      <p:sp>
-        <p:nvSpPr>
-          <p:cNvPr id="4" name="Espaço Reservado para Número de Slide 3"/>
-          <p:cNvSpPr>
-            <a:spLocks noGrp="1"/>
-          </p:cNvSpPr>
-          <p:nvPr>
-            <p:ph type="sldNum" sz="quarter" idx="10"/>
-          </p:nvPr>
-        </p:nvSpPr>
-        <p:spPr/>
-        <p:txBody>
-          <a:bodyPr/>
-          <a:lstStyle/>
-          <a:p>
-            <a:fld id="{8B263312-38AA-4E1E-B2B5-0F8F122B24FE}" type="slidenum">
-              <a:rPr lang="en-US" smtClean="0"/>
-              <a:pPr/>
-              <a:t>2</a:t>
-            </a:fld>
-            <a:endParaRPr lang="en-US"/>
-          </a:p>
-        </p:txBody>
-      </p:sp>
-    </p:spTree>
-    <p:extLst>
-      <p:ext uri="{BB962C8B-B14F-4D97-AF65-F5344CB8AC3E}">
-        <p14:creationId xmlns:p14="http://schemas.microsoft.com/office/powerpoint/2010/main" val="4078595186"/>
       </p:ext>
     </p:extLst>
   </p:cSld>
@@ -3700,7 +4490,7 @@
           <a:p>
             <a:fld id="{38EEC551-8CDA-4EB6-89BB-2A86C9F091C8}" type="datetime8">
               <a:rPr lang="en-US" smtClean="0"/>
-              <a:t>5/17/2025 3:37 AM</a:t>
+              <a:t>5/17/2025 8:56 AM</a:t>
             </a:fld>
             <a:endParaRPr lang="en-US" dirty="0"/>
           </a:p>
@@ -3885,7 +4675,7 @@
           <a:p>
             <a:fld id="{38EEC551-8CDA-4EB6-89BB-2A86C9F091C8}" type="datetime8">
               <a:rPr lang="en-US" smtClean="0"/>
-              <a:t>5/17/2025 3:37 AM</a:t>
+              <a:t>5/17/2025 8:56 AM</a:t>
             </a:fld>
             <a:endParaRPr lang="en-US" dirty="0"/>
           </a:p>
@@ -4070,7 +4860,7 @@
           <a:p>
             <a:fld id="{38EEC551-8CDA-4EB6-89BB-2A86C9F091C8}" type="datetime8">
               <a:rPr lang="en-US" smtClean="0"/>
-              <a:t>5/17/2025 3:37 AM</a:t>
+              <a:t>5/17/2025 8:56 AM</a:t>
             </a:fld>
             <a:endParaRPr lang="en-US" dirty="0"/>
           </a:p>
@@ -4255,7 +5045,7 @@
           <a:p>
             <a:fld id="{38EEC551-8CDA-4EB6-89BB-2A86C9F091C8}" type="datetime8">
               <a:rPr lang="en-US" smtClean="0"/>
-              <a:t>5/17/2025 3:37 AM</a:t>
+              <a:t>5/17/2025 8:56 AM</a:t>
             </a:fld>
             <a:endParaRPr lang="en-US" dirty="0"/>
           </a:p>
@@ -4440,7 +5230,7 @@
           <a:p>
             <a:fld id="{38EEC551-8CDA-4EB6-89BB-2A86C9F091C8}" type="datetime8">
               <a:rPr lang="en-US" smtClean="0"/>
-              <a:t>5/17/2025 3:37 AM</a:t>
+              <a:t>5/17/2025 8:56 AM</a:t>
             </a:fld>
             <a:endParaRPr lang="en-US" dirty="0"/>
           </a:p>
@@ -4488,13 +5278,7 @@
   <p:cSld>
     <p:spTree>
       <p:nvGrpSpPr>
-        <p:cNvPr id="1" name="">
-          <a:extLst>
-            <a:ext uri="{FF2B5EF4-FFF2-40B4-BE49-F238E27FC236}">
-              <a16:creationId xmlns:a16="http://schemas.microsoft.com/office/drawing/2014/main" id="{2D141DB4-E59A-8B90-50CE-C7EDD089C206}"/>
-            </a:ext>
-          </a:extLst>
-        </p:cNvPr>
+        <p:cNvPr id="1" name=""/>
         <p:cNvGrpSpPr/>
         <p:nvPr/>
       </p:nvGrpSpPr>
@@ -4508,13 +5292,7 @@
       </p:grpSpPr>
       <p:sp>
         <p:nvSpPr>
-          <p:cNvPr id="2" name="Espaço Reservado para Imagem de Slide 1">
-            <a:extLst>
-              <a:ext uri="{FF2B5EF4-FFF2-40B4-BE49-F238E27FC236}">
-                <a16:creationId xmlns:a16="http://schemas.microsoft.com/office/drawing/2014/main" id="{2F40E129-0C3C-4942-F934-5A737D70E1DB}"/>
-              </a:ext>
-            </a:extLst>
-          </p:cNvPr>
+          <p:cNvPr id="2" name="Espaço Reservado para Imagem de Slide 1"/>
           <p:cNvSpPr>
             <a:spLocks noGrp="1" noRot="1" noChangeAspect="1"/>
           </p:cNvSpPr>
@@ -4526,13 +5304,7 @@
       </p:sp>
       <p:sp>
         <p:nvSpPr>
-          <p:cNvPr id="3" name="Espaço Reservado para Anotações 2">
-            <a:extLst>
-              <a:ext uri="{FF2B5EF4-FFF2-40B4-BE49-F238E27FC236}">
-                <a16:creationId xmlns:a16="http://schemas.microsoft.com/office/drawing/2014/main" id="{2E29856A-8B4E-28F2-FD8F-654816CFCAF5}"/>
-              </a:ext>
-            </a:extLst>
-          </p:cNvPr>
+          <p:cNvPr id="3" name="Espaço Reservado para Anotações 2"/>
           <p:cNvSpPr>
             <a:spLocks noGrp="1"/>
           </p:cNvSpPr>
@@ -4551,13 +5323,7 @@
       </p:sp>
       <p:sp>
         <p:nvSpPr>
-          <p:cNvPr id="4" name="Espaço Reservado para Cabeçalho 3">
-            <a:extLst>
-              <a:ext uri="{FF2B5EF4-FFF2-40B4-BE49-F238E27FC236}">
-                <a16:creationId xmlns:a16="http://schemas.microsoft.com/office/drawing/2014/main" id="{2270175B-9A5B-0F52-4845-23E0C07BA723}"/>
-              </a:ext>
-            </a:extLst>
-          </p:cNvPr>
+          <p:cNvPr id="4" name="Espaço Reservado para Cabeçalho 3"/>
           <p:cNvSpPr>
             <a:spLocks noGrp="1"/>
           </p:cNvSpPr>
@@ -4580,13 +5346,7 @@
       </p:sp>
       <p:sp>
         <p:nvSpPr>
-          <p:cNvPr id="5" name="Espaço Reservado para Rodapé 4">
-            <a:extLst>
-              <a:ext uri="{FF2B5EF4-FFF2-40B4-BE49-F238E27FC236}">
-                <a16:creationId xmlns:a16="http://schemas.microsoft.com/office/drawing/2014/main" id="{5D5D83C9-C540-415B-8076-565210A4442E}"/>
-              </a:ext>
-            </a:extLst>
-          </p:cNvPr>
+          <p:cNvPr id="5" name="Espaço Reservado para Rodapé 4"/>
           <p:cNvSpPr>
             <a:spLocks noGrp="1"/>
           </p:cNvSpPr>
@@ -4640,13 +5400,7 @@
       </p:sp>
       <p:sp>
         <p:nvSpPr>
-          <p:cNvPr id="6" name="Espaço Reservado para Data 5">
-            <a:extLst>
-              <a:ext uri="{FF2B5EF4-FFF2-40B4-BE49-F238E27FC236}">
-                <a16:creationId xmlns:a16="http://schemas.microsoft.com/office/drawing/2014/main" id="{BC2285B6-D390-1711-2728-45FBA4129955}"/>
-              </a:ext>
-            </a:extLst>
-          </p:cNvPr>
+          <p:cNvPr id="6" name="Espaço Reservado para Data 5"/>
           <p:cNvSpPr>
             <a:spLocks noGrp="1"/>
           </p:cNvSpPr>
@@ -4661,7 +5415,7 @@
           <a:p>
             <a:fld id="{38EEC551-8CDA-4EB6-89BB-2A86C9F091C8}" type="datetime8">
               <a:rPr lang="en-US" smtClean="0"/>
-              <a:t>5/17/2025 3:37 AM</a:t>
+              <a:t>5/17/2025 8:58 AM</a:t>
             </a:fld>
             <a:endParaRPr lang="en-US" dirty="0"/>
           </a:p>
@@ -4669,13 +5423,7 @@
       </p:sp>
       <p:sp>
         <p:nvSpPr>
-          <p:cNvPr id="7" name="Espaço Reservado para Número de Slide 6">
-            <a:extLst>
-              <a:ext uri="{FF2B5EF4-FFF2-40B4-BE49-F238E27FC236}">
-                <a16:creationId xmlns:a16="http://schemas.microsoft.com/office/drawing/2014/main" id="{0D188723-D452-394A-C7D4-28A74DB621EB}"/>
-              </a:ext>
-            </a:extLst>
-          </p:cNvPr>
+          <p:cNvPr id="7" name="Espaço Reservado para Número de Slide 6"/>
           <p:cNvSpPr>
             <a:spLocks noGrp="1"/>
           </p:cNvSpPr>
@@ -4700,7 +5448,7 @@
     </p:spTree>
     <p:extLst>
       <p:ext uri="{BB962C8B-B14F-4D97-AF65-F5344CB8AC3E}">
-        <p14:creationId xmlns:p14="http://schemas.microsoft.com/office/powerpoint/2010/main" val="3293732348"/>
+        <p14:creationId xmlns:p14="http://schemas.microsoft.com/office/powerpoint/2010/main" val="4268544994"/>
       </p:ext>
     </p:extLst>
   </p:cSld>
@@ -28513,6 +29261,828 @@
   <p:cSld>
     <p:spTree>
       <p:nvGrpSpPr>
+        <p:cNvPr id="1" name=""/>
+        <p:cNvGrpSpPr/>
+        <p:nvPr/>
+      </p:nvGrpSpPr>
+      <p:grpSpPr>
+        <a:xfrm>
+          <a:off x="0" y="0"/>
+          <a:ext cx="0" cy="0"/>
+          <a:chOff x="0" y="0"/>
+          <a:chExt cx="0" cy="0"/>
+        </a:xfrm>
+      </p:grpSpPr>
+      <p:sp>
+        <p:nvSpPr>
+          <p:cNvPr id="2" name="Título 1">
+            <a:extLst>
+              <a:ext uri="{FF2B5EF4-FFF2-40B4-BE49-F238E27FC236}">
+                <a16:creationId xmlns:a16="http://schemas.microsoft.com/office/drawing/2014/main" id="{8ADE097F-4825-4D14-B7FB-8434EC3B2C49}"/>
+              </a:ext>
+            </a:extLst>
+          </p:cNvPr>
+          <p:cNvSpPr>
+            <a:spLocks noGrp="1"/>
+          </p:cNvSpPr>
+          <p:nvPr>
+            <p:ph type="title"/>
+          </p:nvPr>
+        </p:nvSpPr>
+        <p:spPr>
+          <a:xfrm>
+            <a:off x="274639" y="239175"/>
+            <a:ext cx="11889564" cy="917575"/>
+          </a:xfrm>
+        </p:spPr>
+        <p:txBody>
+          <a:bodyPr/>
+          <a:lstStyle/>
+          <a:p>
+            <a:r>
+              <a:rPr lang="pt-BR" sz="4400" dirty="0">
+                <a:solidFill>
+                  <a:schemeClr val="accent3">
+                    <a:lumMod val="75000"/>
+                  </a:schemeClr>
+                </a:solidFill>
+              </a:rPr>
+              <a:t>Escalabilidade</a:t>
+            </a:r>
+          </a:p>
+        </p:txBody>
+      </p:sp>
+      <p:pic>
+        <p:nvPicPr>
+          <p:cNvPr id="8" name="Imagem 7" descr="Diagrama&#10;&#10;Descrição gerada automaticamente">
+            <a:extLst>
+              <a:ext uri="{FF2B5EF4-FFF2-40B4-BE49-F238E27FC236}">
+                <a16:creationId xmlns:a16="http://schemas.microsoft.com/office/drawing/2014/main" id="{DC7865B2-2A8F-8230-9B74-D5D6C224A68B}"/>
+              </a:ext>
+            </a:extLst>
+          </p:cNvPr>
+          <p:cNvPicPr>
+            <a:picLocks noChangeAspect="1"/>
+          </p:cNvPicPr>
+          <p:nvPr/>
+        </p:nvPicPr>
+        <p:blipFill>
+          <a:blip r:embed="rId3"/>
+          <a:stretch>
+            <a:fillRect/>
+          </a:stretch>
+        </p:blipFill>
+        <p:spPr>
+          <a:xfrm>
+            <a:off x="2436812" y="1287462"/>
+            <a:ext cx="7562850" cy="4419600"/>
+          </a:xfrm>
+          <a:prstGeom prst="rect">
+            <a:avLst/>
+          </a:prstGeom>
+        </p:spPr>
+      </p:pic>
+    </p:spTree>
+    <p:extLst>
+      <p:ext uri="{BB962C8B-B14F-4D97-AF65-F5344CB8AC3E}">
+        <p14:creationId xmlns:p14="http://schemas.microsoft.com/office/powerpoint/2010/main" val="3347344474"/>
+      </p:ext>
+    </p:extLst>
+  </p:cSld>
+  <p:clrMapOvr>
+    <a:masterClrMapping/>
+  </p:clrMapOvr>
+  <p:transition>
+    <p:fade/>
+  </p:transition>
+</p:sld>
+</file>
+
+<file path=ppt/slides/slide11.xml><?xml version="1.0" encoding="utf-8"?>
+<p:sld xmlns:a="http://schemas.openxmlformats.org/drawingml/2006/main" xmlns:r="http://schemas.openxmlformats.org/officeDocument/2006/relationships" xmlns:p="http://schemas.openxmlformats.org/presentationml/2006/main">
+  <p:cSld>
+    <p:spTree>
+      <p:nvGrpSpPr>
+        <p:cNvPr id="1" name=""/>
+        <p:cNvGrpSpPr/>
+        <p:nvPr/>
+      </p:nvGrpSpPr>
+      <p:grpSpPr>
+        <a:xfrm>
+          <a:off x="0" y="0"/>
+          <a:ext cx="0" cy="0"/>
+          <a:chOff x="0" y="0"/>
+          <a:chExt cx="0" cy="0"/>
+        </a:xfrm>
+      </p:grpSpPr>
+      <p:sp>
+        <p:nvSpPr>
+          <p:cNvPr id="2" name="Título 1">
+            <a:extLst>
+              <a:ext uri="{FF2B5EF4-FFF2-40B4-BE49-F238E27FC236}">
+                <a16:creationId xmlns:a16="http://schemas.microsoft.com/office/drawing/2014/main" id="{8ADE097F-4825-4D14-B7FB-8434EC3B2C49}"/>
+              </a:ext>
+            </a:extLst>
+          </p:cNvPr>
+          <p:cNvSpPr>
+            <a:spLocks noGrp="1"/>
+          </p:cNvSpPr>
+          <p:nvPr>
+            <p:ph type="title"/>
+          </p:nvPr>
+        </p:nvSpPr>
+        <p:spPr/>
+        <p:txBody>
+          <a:bodyPr/>
+          <a:lstStyle/>
+          <a:p>
+            <a:r>
+              <a:rPr lang="pt-BR" sz="4400" dirty="0">
+                <a:solidFill>
+                  <a:schemeClr val="accent3">
+                    <a:lumMod val="75000"/>
+                  </a:schemeClr>
+                </a:solidFill>
+              </a:rPr>
+              <a:t>Conceitos importantes sobre containers</a:t>
+            </a:r>
+          </a:p>
+        </p:txBody>
+      </p:sp>
+      <p:sp>
+        <p:nvSpPr>
+          <p:cNvPr id="3" name="Espaço Reservado para Texto 2">
+            <a:extLst>
+              <a:ext uri="{FF2B5EF4-FFF2-40B4-BE49-F238E27FC236}">
+                <a16:creationId xmlns:a16="http://schemas.microsoft.com/office/drawing/2014/main" id="{10F01629-F01C-4AE7-B7DB-6087E6CFCFAC}"/>
+              </a:ext>
+            </a:extLst>
+          </p:cNvPr>
+          <p:cNvSpPr>
+            <a:spLocks noGrp="1"/>
+          </p:cNvSpPr>
+          <p:nvPr>
+            <p:ph type="body" sz="quarter" idx="10"/>
+          </p:nvPr>
+        </p:nvSpPr>
+        <p:spPr>
+          <a:xfrm>
+            <a:off x="274640" y="1436080"/>
+            <a:ext cx="6476998" cy="3877985"/>
+          </a:xfrm>
+        </p:spPr>
+        <p:txBody>
+          <a:bodyPr/>
+          <a:lstStyle/>
+          <a:p>
+            <a:pPr marL="571500" indent="-571500">
+              <a:buFont typeface="Arial" panose="020B0604020202020204" pitchFamily="34" charset="0"/>
+              <a:buChar char="•"/>
+            </a:pPr>
+            <a:r>
+              <a:rPr lang="pt-BR" sz="3200" dirty="0">
+                <a:solidFill>
+                  <a:srgbClr val="494949"/>
+                </a:solidFill>
+              </a:rPr>
+              <a:t>Imagem (Linux x Windows)</a:t>
+            </a:r>
+          </a:p>
+          <a:p>
+            <a:pPr marL="571500" indent="-571500">
+              <a:buFont typeface="Arial" panose="020B0604020202020204" pitchFamily="34" charset="0"/>
+              <a:buChar char="•"/>
+            </a:pPr>
+            <a:endParaRPr lang="pt-BR" sz="3200" dirty="0">
+              <a:solidFill>
+                <a:srgbClr val="494949"/>
+              </a:solidFill>
+            </a:endParaRPr>
+          </a:p>
+          <a:p>
+            <a:pPr marL="571500" indent="-571500">
+              <a:buFont typeface="Arial" panose="020B0604020202020204" pitchFamily="34" charset="0"/>
+              <a:buChar char="•"/>
+            </a:pPr>
+            <a:r>
+              <a:rPr lang="pt-BR" sz="3200" dirty="0">
+                <a:solidFill>
+                  <a:srgbClr val="494949"/>
+                </a:solidFill>
+              </a:rPr>
+              <a:t>Container</a:t>
+            </a:r>
+          </a:p>
+          <a:p>
+            <a:pPr marL="571500" indent="-571500">
+              <a:buFont typeface="Arial" panose="020B0604020202020204" pitchFamily="34" charset="0"/>
+              <a:buChar char="•"/>
+            </a:pPr>
+            <a:endParaRPr lang="pt-BR" sz="3200" dirty="0">
+              <a:solidFill>
+                <a:srgbClr val="494949"/>
+              </a:solidFill>
+            </a:endParaRPr>
+          </a:p>
+          <a:p>
+            <a:pPr marL="571500" indent="-571500">
+              <a:buFont typeface="Arial" panose="020B0604020202020204" pitchFamily="34" charset="0"/>
+              <a:buChar char="•"/>
+            </a:pPr>
+            <a:r>
+              <a:rPr lang="pt-BR" sz="3200" dirty="0">
+                <a:solidFill>
+                  <a:srgbClr val="494949"/>
+                </a:solidFill>
+              </a:rPr>
+              <a:t>Volume</a:t>
+            </a:r>
+          </a:p>
+          <a:p>
+            <a:pPr marL="571500" indent="-571500">
+              <a:buFont typeface="Arial" panose="020B0604020202020204" pitchFamily="34" charset="0"/>
+              <a:buChar char="•"/>
+            </a:pPr>
+            <a:endParaRPr lang="pt-BR" sz="3200" dirty="0">
+              <a:solidFill>
+                <a:srgbClr val="494949"/>
+              </a:solidFill>
+            </a:endParaRPr>
+          </a:p>
+          <a:p>
+            <a:pPr marL="571500" indent="-571500">
+              <a:buFont typeface="Arial" panose="020B0604020202020204" pitchFamily="34" charset="0"/>
+              <a:buChar char="•"/>
+            </a:pPr>
+            <a:r>
+              <a:rPr lang="pt-BR" sz="3200" dirty="0">
+                <a:solidFill>
+                  <a:srgbClr val="494949"/>
+                </a:solidFill>
+              </a:rPr>
+              <a:t>Container Registry</a:t>
+            </a:r>
+          </a:p>
+        </p:txBody>
+      </p:sp>
+      <p:pic>
+        <p:nvPicPr>
+          <p:cNvPr id="6" name="Imagem 5">
+            <a:extLst>
+              <a:ext uri="{FF2B5EF4-FFF2-40B4-BE49-F238E27FC236}">
+                <a16:creationId xmlns:a16="http://schemas.microsoft.com/office/drawing/2014/main" id="{04E3DE43-9E0A-245C-DAD6-8F2569AC0E50}"/>
+              </a:ext>
+            </a:extLst>
+          </p:cNvPr>
+          <p:cNvPicPr>
+            <a:picLocks noChangeAspect="1"/>
+          </p:cNvPicPr>
+          <p:nvPr/>
+        </p:nvPicPr>
+        <p:blipFill>
+          <a:blip r:embed="rId3"/>
+          <a:stretch>
+            <a:fillRect/>
+          </a:stretch>
+        </p:blipFill>
+        <p:spPr>
+          <a:xfrm>
+            <a:off x="7513637" y="2354262"/>
+            <a:ext cx="4255294" cy="2836863"/>
+          </a:xfrm>
+          <a:prstGeom prst="rect">
+            <a:avLst/>
+          </a:prstGeom>
+        </p:spPr>
+      </p:pic>
+    </p:spTree>
+    <p:extLst>
+      <p:ext uri="{BB962C8B-B14F-4D97-AF65-F5344CB8AC3E}">
+        <p14:creationId xmlns:p14="http://schemas.microsoft.com/office/powerpoint/2010/main" val="1498047300"/>
+      </p:ext>
+    </p:extLst>
+  </p:cSld>
+  <p:clrMapOvr>
+    <a:masterClrMapping/>
+  </p:clrMapOvr>
+  <p:transition>
+    <p:fade/>
+  </p:transition>
+</p:sld>
+</file>
+
+<file path=ppt/slides/slide12.xml><?xml version="1.0" encoding="utf-8"?>
+<p:sld xmlns:a="http://schemas.openxmlformats.org/drawingml/2006/main" xmlns:r="http://schemas.openxmlformats.org/officeDocument/2006/relationships" xmlns:p="http://schemas.openxmlformats.org/presentationml/2006/main">
+  <p:cSld>
+    <p:spTree>
+      <p:nvGrpSpPr>
+        <p:cNvPr id="1" name=""/>
+        <p:cNvGrpSpPr/>
+        <p:nvPr/>
+      </p:nvGrpSpPr>
+      <p:grpSpPr>
+        <a:xfrm>
+          <a:off x="0" y="0"/>
+          <a:ext cx="0" cy="0"/>
+          <a:chOff x="0" y="0"/>
+          <a:chExt cx="0" cy="0"/>
+        </a:xfrm>
+      </p:grpSpPr>
+      <p:sp>
+        <p:nvSpPr>
+          <p:cNvPr id="2" name="Título 1">
+            <a:extLst>
+              <a:ext uri="{FF2B5EF4-FFF2-40B4-BE49-F238E27FC236}">
+                <a16:creationId xmlns:a16="http://schemas.microsoft.com/office/drawing/2014/main" id="{8ADE097F-4825-4D14-B7FB-8434EC3B2C49}"/>
+              </a:ext>
+            </a:extLst>
+          </p:cNvPr>
+          <p:cNvSpPr>
+            <a:spLocks noGrp="1"/>
+          </p:cNvSpPr>
+          <p:nvPr>
+            <p:ph type="title"/>
+          </p:nvPr>
+        </p:nvSpPr>
+        <p:spPr/>
+        <p:txBody>
+          <a:bodyPr/>
+          <a:lstStyle/>
+          <a:p>
+            <a:r>
+              <a:rPr lang="pt-BR" sz="4400" dirty="0">
+                <a:solidFill>
+                  <a:schemeClr val="accent3">
+                    <a:lumMod val="75000"/>
+                  </a:schemeClr>
+                </a:solidFill>
+              </a:rPr>
+              <a:t>Containers + </a:t>
+            </a:r>
+            <a:r>
+              <a:rPr lang="pt-BR" sz="4400" dirty="0" err="1">
+                <a:solidFill>
+                  <a:schemeClr val="accent3">
+                    <a:lumMod val="75000"/>
+                  </a:schemeClr>
+                </a:solidFill>
+              </a:rPr>
+              <a:t>DevOps</a:t>
+            </a:r>
+            <a:endParaRPr lang="pt-BR" sz="4400" dirty="0">
+              <a:solidFill>
+                <a:schemeClr val="accent3">
+                  <a:lumMod val="75000"/>
+                </a:schemeClr>
+              </a:solidFill>
+            </a:endParaRPr>
+          </a:p>
+        </p:txBody>
+      </p:sp>
+      <p:sp>
+        <p:nvSpPr>
+          <p:cNvPr id="3" name="Espaço Reservado para Texto 2">
+            <a:extLst>
+              <a:ext uri="{FF2B5EF4-FFF2-40B4-BE49-F238E27FC236}">
+                <a16:creationId xmlns:a16="http://schemas.microsoft.com/office/drawing/2014/main" id="{10F01629-F01C-4AE7-B7DB-6087E6CFCFAC}"/>
+              </a:ext>
+            </a:extLst>
+          </p:cNvPr>
+          <p:cNvSpPr>
+            <a:spLocks noGrp="1"/>
+          </p:cNvSpPr>
+          <p:nvPr>
+            <p:ph type="body" sz="quarter" idx="10"/>
+          </p:nvPr>
+        </p:nvSpPr>
+        <p:spPr>
+          <a:xfrm>
+            <a:off x="274640" y="1436080"/>
+            <a:ext cx="6476998" cy="4395049"/>
+          </a:xfrm>
+        </p:spPr>
+        <p:txBody>
+          <a:bodyPr/>
+          <a:lstStyle/>
+          <a:p>
+            <a:pPr marL="571500" indent="-571500">
+              <a:buFont typeface="Arial" panose="020B0604020202020204" pitchFamily="34" charset="0"/>
+              <a:buChar char="•"/>
+            </a:pPr>
+            <a:r>
+              <a:rPr lang="pt-BR" sz="3600" dirty="0">
+                <a:solidFill>
+                  <a:srgbClr val="494949"/>
+                </a:solidFill>
+              </a:rPr>
+              <a:t>Facilidades na implementação de automações</a:t>
+            </a:r>
+          </a:p>
+          <a:p>
+            <a:pPr marL="571500" indent="-571500">
+              <a:buFont typeface="Arial" panose="020B0604020202020204" pitchFamily="34" charset="0"/>
+              <a:buChar char="•"/>
+            </a:pPr>
+            <a:endParaRPr lang="pt-BR" sz="3600" dirty="0">
+              <a:solidFill>
+                <a:srgbClr val="494949"/>
+              </a:solidFill>
+            </a:endParaRPr>
+          </a:p>
+          <a:p>
+            <a:pPr marL="571500" indent="-571500">
+              <a:buFont typeface="Arial" panose="020B0604020202020204" pitchFamily="34" charset="0"/>
+              <a:buChar char="•"/>
+            </a:pPr>
+            <a:r>
+              <a:rPr lang="pt-BR" sz="3600" dirty="0">
+                <a:solidFill>
+                  <a:srgbClr val="494949"/>
+                </a:solidFill>
+              </a:rPr>
+              <a:t>Suporte das principais soluções de mercado como </a:t>
+            </a:r>
+            <a:r>
+              <a:rPr lang="pt-BR" sz="3600" b="1" dirty="0">
+                <a:solidFill>
+                  <a:srgbClr val="494949"/>
+                </a:solidFill>
+              </a:rPr>
+              <a:t>Azure </a:t>
+            </a:r>
+            <a:r>
+              <a:rPr lang="pt-BR" sz="3600" b="1" dirty="0" err="1">
+                <a:solidFill>
+                  <a:srgbClr val="494949"/>
+                </a:solidFill>
+              </a:rPr>
+              <a:t>DevOps</a:t>
+            </a:r>
+            <a:r>
+              <a:rPr lang="pt-BR" sz="3600" dirty="0">
+                <a:solidFill>
+                  <a:srgbClr val="494949"/>
+                </a:solidFill>
+              </a:rPr>
+              <a:t> e </a:t>
+            </a:r>
+            <a:r>
+              <a:rPr lang="pt-BR" sz="3600" b="1" dirty="0">
+                <a:solidFill>
+                  <a:srgbClr val="494949"/>
+                </a:solidFill>
+              </a:rPr>
+              <a:t>GitHub </a:t>
+            </a:r>
+            <a:r>
+              <a:rPr lang="pt-BR" sz="3600" b="1" dirty="0" err="1">
+                <a:solidFill>
+                  <a:srgbClr val="494949"/>
+                </a:solidFill>
+              </a:rPr>
+              <a:t>Actions</a:t>
+            </a:r>
+            <a:endParaRPr lang="pt-BR" sz="3600" b="1" dirty="0">
+              <a:solidFill>
+                <a:srgbClr val="494949"/>
+              </a:solidFill>
+            </a:endParaRPr>
+          </a:p>
+        </p:txBody>
+      </p:sp>
+      <p:pic>
+        <p:nvPicPr>
+          <p:cNvPr id="6" name="Imagem 5">
+            <a:extLst>
+              <a:ext uri="{FF2B5EF4-FFF2-40B4-BE49-F238E27FC236}">
+                <a16:creationId xmlns:a16="http://schemas.microsoft.com/office/drawing/2014/main" id="{04E3DE43-9E0A-245C-DAD6-8F2569AC0E50}"/>
+              </a:ext>
+            </a:extLst>
+          </p:cNvPr>
+          <p:cNvPicPr>
+            <a:picLocks noChangeAspect="1"/>
+          </p:cNvPicPr>
+          <p:nvPr/>
+        </p:nvPicPr>
+        <p:blipFill>
+          <a:blip r:embed="rId3"/>
+          <a:stretch>
+            <a:fillRect/>
+          </a:stretch>
+        </p:blipFill>
+        <p:spPr>
+          <a:xfrm>
+            <a:off x="7513637" y="2354262"/>
+            <a:ext cx="4255294" cy="2836863"/>
+          </a:xfrm>
+          <a:prstGeom prst="rect">
+            <a:avLst/>
+          </a:prstGeom>
+        </p:spPr>
+      </p:pic>
+    </p:spTree>
+    <p:extLst>
+      <p:ext uri="{BB962C8B-B14F-4D97-AF65-F5344CB8AC3E}">
+        <p14:creationId xmlns:p14="http://schemas.microsoft.com/office/powerpoint/2010/main" val="2984826546"/>
+      </p:ext>
+    </p:extLst>
+  </p:cSld>
+  <p:clrMapOvr>
+    <a:masterClrMapping/>
+  </p:clrMapOvr>
+  <p:transition>
+    <p:fade/>
+  </p:transition>
+</p:sld>
+</file>
+
+<file path=ppt/slides/slide13.xml><?xml version="1.0" encoding="utf-8"?>
+<p:sld xmlns:a="http://schemas.openxmlformats.org/drawingml/2006/main" xmlns:r="http://schemas.openxmlformats.org/officeDocument/2006/relationships" xmlns:p="http://schemas.openxmlformats.org/presentationml/2006/main">
+  <p:cSld>
+    <p:spTree>
+      <p:nvGrpSpPr>
+        <p:cNvPr id="1" name="">
+          <a:extLst>
+            <a:ext uri="{FF2B5EF4-FFF2-40B4-BE49-F238E27FC236}">
+              <a16:creationId xmlns:a16="http://schemas.microsoft.com/office/drawing/2014/main" id="{C6ABD311-9E2F-950F-0726-896E4447A5FD}"/>
+            </a:ext>
+          </a:extLst>
+        </p:cNvPr>
+        <p:cNvGrpSpPr/>
+        <p:nvPr/>
+      </p:nvGrpSpPr>
+      <p:grpSpPr>
+        <a:xfrm>
+          <a:off x="0" y="0"/>
+          <a:ext cx="0" cy="0"/>
+          <a:chOff x="0" y="0"/>
+          <a:chExt cx="0" cy="0"/>
+        </a:xfrm>
+      </p:grpSpPr>
+      <p:sp>
+        <p:nvSpPr>
+          <p:cNvPr id="2" name="Título 1">
+            <a:extLst>
+              <a:ext uri="{FF2B5EF4-FFF2-40B4-BE49-F238E27FC236}">
+                <a16:creationId xmlns:a16="http://schemas.microsoft.com/office/drawing/2014/main" id="{CE8D3346-C215-AC24-9ADF-3E7BBA62622D}"/>
+              </a:ext>
+            </a:extLst>
+          </p:cNvPr>
+          <p:cNvSpPr>
+            <a:spLocks noGrp="1"/>
+          </p:cNvSpPr>
+          <p:nvPr>
+            <p:ph type="title"/>
+          </p:nvPr>
+        </p:nvSpPr>
+        <p:spPr>
+          <a:xfrm>
+            <a:off x="274639" y="295274"/>
+            <a:ext cx="9982198" cy="917575"/>
+          </a:xfrm>
+        </p:spPr>
+        <p:txBody>
+          <a:bodyPr/>
+          <a:lstStyle/>
+          <a:p>
+            <a:r>
+              <a:rPr lang="en-US" sz="4400" b="1" dirty="0" err="1">
+                <a:solidFill>
+                  <a:schemeClr val="accent3">
+                    <a:lumMod val="75000"/>
+                  </a:schemeClr>
+                </a:solidFill>
+              </a:rPr>
+              <a:t>Testcontainers</a:t>
+            </a:r>
+            <a:r>
+              <a:rPr lang="en-US" sz="4400" b="1" dirty="0">
+                <a:solidFill>
+                  <a:schemeClr val="accent3">
+                    <a:lumMod val="75000"/>
+                  </a:schemeClr>
+                </a:solidFill>
+              </a:rPr>
+              <a:t>: o que é?</a:t>
+            </a:r>
+            <a:endParaRPr lang="pt-BR" sz="4400" b="1" dirty="0">
+              <a:solidFill>
+                <a:schemeClr val="accent3">
+                  <a:lumMod val="75000"/>
+                </a:schemeClr>
+              </a:solidFill>
+            </a:endParaRPr>
+          </a:p>
+        </p:txBody>
+      </p:sp>
+      <p:sp>
+        <p:nvSpPr>
+          <p:cNvPr id="3" name="Espaço Reservado para Texto 2">
+            <a:extLst>
+              <a:ext uri="{FF2B5EF4-FFF2-40B4-BE49-F238E27FC236}">
+                <a16:creationId xmlns:a16="http://schemas.microsoft.com/office/drawing/2014/main" id="{896CFC96-7194-822B-D315-FC2A7287AC36}"/>
+              </a:ext>
+            </a:extLst>
+          </p:cNvPr>
+          <p:cNvSpPr>
+            <a:spLocks noGrp="1"/>
+          </p:cNvSpPr>
+          <p:nvPr>
+            <p:ph type="body" sz="quarter" idx="10"/>
+          </p:nvPr>
+        </p:nvSpPr>
+        <p:spPr>
+          <a:xfrm>
+            <a:off x="427144" y="1668462"/>
+            <a:ext cx="8381893" cy="4124206"/>
+          </a:xfrm>
+        </p:spPr>
+        <p:txBody>
+          <a:bodyPr/>
+          <a:lstStyle/>
+          <a:p>
+            <a:pPr marL="457200" indent="-457200">
+              <a:buFont typeface="Arial" panose="020B0604020202020204" pitchFamily="34" charset="0"/>
+              <a:buChar char="•"/>
+            </a:pPr>
+            <a:r>
+              <a:rPr lang="pt-BR" sz="3200" b="1" dirty="0">
+                <a:solidFill>
+                  <a:srgbClr val="494949"/>
+                </a:solidFill>
+              </a:rPr>
+              <a:t>Biblioteca open </a:t>
+            </a:r>
+            <a:r>
+              <a:rPr lang="pt-BR" sz="3200" b="1" dirty="0" err="1">
+                <a:solidFill>
+                  <a:srgbClr val="494949"/>
+                </a:solidFill>
+              </a:rPr>
+              <a:t>source</a:t>
+            </a:r>
+            <a:r>
+              <a:rPr lang="pt-BR" sz="3200" b="1" dirty="0">
+                <a:solidFill>
+                  <a:srgbClr val="494949"/>
+                </a:solidFill>
+              </a:rPr>
+              <a:t> para rápida criação de containers para testes</a:t>
+            </a:r>
+          </a:p>
+          <a:p>
+            <a:pPr marL="457200" indent="-457200">
+              <a:buFont typeface="Arial" panose="020B0604020202020204" pitchFamily="34" charset="0"/>
+              <a:buChar char="•"/>
+            </a:pPr>
+            <a:endParaRPr lang="pt-BR" sz="3200" dirty="0">
+              <a:solidFill>
+                <a:srgbClr val="494949"/>
+              </a:solidFill>
+            </a:endParaRPr>
+          </a:p>
+          <a:p>
+            <a:pPr marL="457200" indent="-457200">
+              <a:buFont typeface="Arial" panose="020B0604020202020204" pitchFamily="34" charset="0"/>
+              <a:buChar char="•"/>
+            </a:pPr>
+            <a:r>
+              <a:rPr lang="pt-BR" sz="3200" dirty="0">
+                <a:solidFill>
+                  <a:srgbClr val="494949"/>
+                </a:solidFill>
+              </a:rPr>
+              <a:t>Evitar o uso de </a:t>
+            </a:r>
+            <a:r>
+              <a:rPr lang="pt-BR" sz="3200" dirty="0" err="1">
+                <a:solidFill>
+                  <a:srgbClr val="494949"/>
+                </a:solidFill>
+              </a:rPr>
+              <a:t>mocks</a:t>
+            </a:r>
+            <a:r>
+              <a:rPr lang="pt-BR" sz="3200" dirty="0">
+                <a:solidFill>
+                  <a:srgbClr val="494949"/>
+                </a:solidFill>
+              </a:rPr>
+              <a:t> ou configurações de ambiente mais complexas</a:t>
+            </a:r>
+          </a:p>
+          <a:p>
+            <a:pPr marL="457200" indent="-457200">
+              <a:buFont typeface="Arial" panose="020B0604020202020204" pitchFamily="34" charset="0"/>
+              <a:buChar char="•"/>
+            </a:pPr>
+            <a:endParaRPr lang="pt-BR" sz="3200" dirty="0">
+              <a:solidFill>
+                <a:srgbClr val="494949"/>
+              </a:solidFill>
+            </a:endParaRPr>
+          </a:p>
+          <a:p>
+            <a:pPr marL="457200" indent="-457200">
+              <a:buFont typeface="Arial" panose="020B0604020202020204" pitchFamily="34" charset="0"/>
+              <a:buChar char="•"/>
+            </a:pPr>
+            <a:r>
+              <a:rPr lang="pt-BR" sz="3200" dirty="0">
+                <a:solidFill>
+                  <a:srgbClr val="494949"/>
+                </a:solidFill>
+              </a:rPr>
+              <a:t>Suporte a tecnologias de bancos de dados, serviços em nuvem, mensageria...</a:t>
+            </a:r>
+          </a:p>
+        </p:txBody>
+      </p:sp>
+      <p:sp>
+        <p:nvSpPr>
+          <p:cNvPr id="8" name="CaixaDeTexto 7">
+            <a:extLst>
+              <a:ext uri="{FF2B5EF4-FFF2-40B4-BE49-F238E27FC236}">
+                <a16:creationId xmlns:a16="http://schemas.microsoft.com/office/drawing/2014/main" id="{6DDF9BDA-C637-4264-F516-35AEA8F1F9A7}"/>
+              </a:ext>
+            </a:extLst>
+          </p:cNvPr>
+          <p:cNvSpPr txBox="1"/>
+          <p:nvPr/>
+        </p:nvSpPr>
+        <p:spPr>
+          <a:xfrm>
+            <a:off x="1036637" y="6029282"/>
+            <a:ext cx="11113428" cy="523220"/>
+          </a:xfrm>
+          <a:prstGeom prst="rect">
+            <a:avLst/>
+          </a:prstGeom>
+          <a:noFill/>
+        </p:spPr>
+        <p:txBody>
+          <a:bodyPr wrap="square">
+            <a:spAutoFit/>
+          </a:bodyPr>
+          <a:lstStyle/>
+          <a:p>
+            <a:r>
+              <a:rPr lang="pt-BR" sz="2800" b="1" dirty="0"/>
+              <a:t>https://testcontainers.com/</a:t>
+            </a:r>
+          </a:p>
+        </p:txBody>
+      </p:sp>
+      <p:pic>
+        <p:nvPicPr>
+          <p:cNvPr id="6" name="Imagem 5" descr="Logotipo&#10;&#10;O conteúdo gerado por IA pode estar incorreto.">
+            <a:extLst>
+              <a:ext uri="{FF2B5EF4-FFF2-40B4-BE49-F238E27FC236}">
+                <a16:creationId xmlns:a16="http://schemas.microsoft.com/office/drawing/2014/main" id="{9B57A108-7BCC-0FBA-2DF0-3D23F7D43D23}"/>
+              </a:ext>
+            </a:extLst>
+          </p:cNvPr>
+          <p:cNvPicPr>
+            <a:picLocks noChangeAspect="1"/>
+          </p:cNvPicPr>
+          <p:nvPr/>
+        </p:nvPicPr>
+        <p:blipFill>
+          <a:blip r:embed="rId3"/>
+          <a:srcRect r="74785"/>
+          <a:stretch/>
+        </p:blipFill>
+        <p:spPr>
+          <a:xfrm>
+            <a:off x="9342437" y="2401569"/>
+            <a:ext cx="2344690" cy="2438993"/>
+          </a:xfrm>
+          <a:prstGeom prst="rect">
+            <a:avLst/>
+          </a:prstGeom>
+        </p:spPr>
+      </p:pic>
+    </p:spTree>
+    <p:extLst>
+      <p:ext uri="{BB962C8B-B14F-4D97-AF65-F5344CB8AC3E}">
+        <p14:creationId xmlns:p14="http://schemas.microsoft.com/office/powerpoint/2010/main" val="673228440"/>
+      </p:ext>
+    </p:extLst>
+  </p:cSld>
+  <p:clrMapOvr>
+    <a:masterClrMapping/>
+  </p:clrMapOvr>
+  <p:transition>
+    <p:fade/>
+  </p:transition>
+</p:sld>
+</file>
+
+<file path=ppt/slides/slide14.xml><?xml version="1.0" encoding="utf-8"?>
+<p:sld xmlns:a="http://schemas.openxmlformats.org/drawingml/2006/main" xmlns:r="http://schemas.openxmlformats.org/officeDocument/2006/relationships" xmlns:p="http://schemas.openxmlformats.org/presentationml/2006/main">
+  <p:cSld>
+    <p:spTree>
+      <p:nvGrpSpPr>
         <p:cNvPr id="1" name="">
           <a:extLst>
             <a:ext uri="{FF2B5EF4-FFF2-40B4-BE49-F238E27FC236}">
@@ -28905,7 +30475,7 @@
 </p:sld>
 </file>
 
-<file path=ppt/slides/slide11.xml><?xml version="1.0" encoding="utf-8"?>
+<file path=ppt/slides/slide15.xml><?xml version="1.0" encoding="utf-8"?>
 <p:sld xmlns:a="http://schemas.openxmlformats.org/drawingml/2006/main" xmlns:r="http://schemas.openxmlformats.org/officeDocument/2006/relationships" xmlns:p="http://schemas.openxmlformats.org/presentationml/2006/main">
   <p:cSld>
     <p:spTree>
@@ -29160,7 +30730,7 @@
 </p:sld>
 </file>
 
-<file path=ppt/slides/slide12.xml><?xml version="1.0" encoding="utf-8"?>
+<file path=ppt/slides/slide16.xml><?xml version="1.0" encoding="utf-8"?>
 <p:sld xmlns:a="http://schemas.openxmlformats.org/drawingml/2006/main" xmlns:r="http://schemas.openxmlformats.org/officeDocument/2006/relationships" xmlns:p="http://schemas.openxmlformats.org/presentationml/2006/main">
   <p:cSld>
     <p:spTree>
@@ -29353,7 +30923,7 @@
 </p:sld>
 </file>
 
-<file path=ppt/slides/slide13.xml><?xml version="1.0" encoding="utf-8"?>
+<file path=ppt/slides/slide17.xml><?xml version="1.0" encoding="utf-8"?>
 <p:sld xmlns:a="http://schemas.openxmlformats.org/drawingml/2006/main" xmlns:r="http://schemas.openxmlformats.org/officeDocument/2006/relationships" xmlns:p="http://schemas.openxmlformats.org/presentationml/2006/main">
   <p:cSld>
     <p:spTree>
@@ -29593,7 +31163,7 @@
 </p:sld>
 </file>
 
-<file path=ppt/slides/slide14.xml><?xml version="1.0" encoding="utf-8"?>
+<file path=ppt/slides/slide18.xml><?xml version="1.0" encoding="utf-8"?>
 <p:sld xmlns:a="http://schemas.openxmlformats.org/drawingml/2006/main" xmlns:r="http://schemas.openxmlformats.org/officeDocument/2006/relationships" xmlns:p="http://schemas.openxmlformats.org/presentationml/2006/main">
   <p:cSld>
     <p:spTree>
@@ -29813,7 +31383,7 @@
 </p:sld>
 </file>
 
-<file path=ppt/slides/slide15.xml><?xml version="1.0" encoding="utf-8"?>
+<file path=ppt/slides/slide19.xml><?xml version="1.0" encoding="utf-8"?>
 <p:sld xmlns:a="http://schemas.openxmlformats.org/drawingml/2006/main" xmlns:r="http://schemas.openxmlformats.org/officeDocument/2006/relationships" xmlns:p="http://schemas.openxmlformats.org/presentationml/2006/main">
   <p:cSld>
     <p:spTree>
@@ -30021,7 +31591,770 @@
 </p:sld>
 </file>
 
-<file path=ppt/slides/slide16.xml><?xml version="1.0" encoding="utf-8"?>
+<file path=ppt/slides/slide2.xml><?xml version="1.0" encoding="utf-8"?>
+<p:sld xmlns:a="http://schemas.openxmlformats.org/drawingml/2006/main" xmlns:r="http://schemas.openxmlformats.org/officeDocument/2006/relationships" xmlns:p="http://schemas.openxmlformats.org/presentationml/2006/main">
+  <p:cSld>
+    <p:spTree>
+      <p:nvGrpSpPr>
+        <p:cNvPr id="1" name=""/>
+        <p:cNvGrpSpPr/>
+        <p:nvPr/>
+      </p:nvGrpSpPr>
+      <p:grpSpPr>
+        <a:xfrm>
+          <a:off x="0" y="0"/>
+          <a:ext cx="0" cy="0"/>
+          <a:chOff x="0" y="0"/>
+          <a:chExt cx="0" cy="0"/>
+        </a:xfrm>
+      </p:grpSpPr>
+      <p:sp>
+        <p:nvSpPr>
+          <p:cNvPr id="2" name="Content Placeholder 1"/>
+          <p:cNvSpPr>
+            <a:spLocks noGrp="1"/>
+          </p:cNvSpPr>
+          <p:nvPr>
+            <p:ph idx="1"/>
+          </p:nvPr>
+        </p:nvSpPr>
+        <p:spPr>
+          <a:xfrm>
+            <a:off x="201916" y="1820862"/>
+            <a:ext cx="7692721" cy="5181600"/>
+          </a:xfrm>
+        </p:spPr>
+        <p:txBody>
+          <a:bodyPr>
+            <a:noAutofit/>
+          </a:bodyPr>
+          <a:lstStyle/>
+          <a:p>
+            <a:pPr>
+              <a:lnSpc>
+                <a:spcPct val="100000"/>
+              </a:lnSpc>
+            </a:pPr>
+            <a:r>
+              <a:rPr lang="pt-BR" sz="2400" dirty="0">
+                <a:solidFill>
+                  <a:schemeClr val="tx1">
+                    <a:lumMod val="75000"/>
+                    <a:lumOff val="25000"/>
+                  </a:schemeClr>
+                </a:solidFill>
+              </a:rPr>
+              <a:t>Microsoft Most </a:t>
+            </a:r>
+            <a:r>
+              <a:rPr lang="pt-BR" sz="2400" dirty="0" err="1">
+                <a:solidFill>
+                  <a:schemeClr val="tx1">
+                    <a:lumMod val="75000"/>
+                    <a:lumOff val="25000"/>
+                  </a:schemeClr>
+                </a:solidFill>
+              </a:rPr>
+              <a:t>Valuable</a:t>
+            </a:r>
+            <a:r>
+              <a:rPr lang="pt-BR" sz="2400" dirty="0">
+                <a:solidFill>
+                  <a:schemeClr val="tx1">
+                    <a:lumMod val="75000"/>
+                    <a:lumOff val="25000"/>
+                  </a:schemeClr>
+                </a:solidFill>
+              </a:rPr>
+              <a:t> Professional (MVP)</a:t>
+            </a:r>
+          </a:p>
+          <a:p>
+            <a:pPr>
+              <a:lnSpc>
+                <a:spcPct val="100000"/>
+              </a:lnSpc>
+            </a:pPr>
+            <a:r>
+              <a:rPr lang="pt-BR" sz="2400" dirty="0">
+                <a:solidFill>
+                  <a:schemeClr val="tx1">
+                    <a:lumMod val="75000"/>
+                    <a:lumOff val="25000"/>
+                  </a:schemeClr>
+                </a:solidFill>
+              </a:rPr>
+              <a:t>Docker </a:t>
+            </a:r>
+            <a:r>
+              <a:rPr lang="pt-BR" sz="2400" dirty="0" err="1">
+                <a:solidFill>
+                  <a:schemeClr val="tx1">
+                    <a:lumMod val="75000"/>
+                    <a:lumOff val="25000"/>
+                  </a:schemeClr>
+                </a:solidFill>
+              </a:rPr>
+              <a:t>Captain</a:t>
+            </a:r>
+            <a:endParaRPr lang="pt-BR" sz="2400" dirty="0">
+              <a:solidFill>
+                <a:schemeClr val="tx1">
+                  <a:lumMod val="75000"/>
+                  <a:lumOff val="25000"/>
+                </a:schemeClr>
+              </a:solidFill>
+            </a:endParaRPr>
+          </a:p>
+          <a:p>
+            <a:pPr>
+              <a:lnSpc>
+                <a:spcPct val="100000"/>
+              </a:lnSpc>
+            </a:pPr>
+            <a:r>
+              <a:rPr lang="pt-BR" sz="2400" dirty="0">
+                <a:solidFill>
+                  <a:schemeClr val="tx1">
+                    <a:lumMod val="75000"/>
+                    <a:lumOff val="25000"/>
+                  </a:schemeClr>
+                </a:solidFill>
+              </a:rPr>
+              <a:t>APISEC U </a:t>
+            </a:r>
+            <a:r>
+              <a:rPr lang="pt-BR" sz="2400" dirty="0" err="1">
+                <a:solidFill>
+                  <a:schemeClr val="tx1">
+                    <a:lumMod val="75000"/>
+                    <a:lumOff val="25000"/>
+                  </a:schemeClr>
+                </a:solidFill>
+              </a:rPr>
+              <a:t>Ambassador</a:t>
+            </a:r>
+            <a:endParaRPr lang="pt-BR" sz="2400" dirty="0">
+              <a:solidFill>
+                <a:schemeClr val="tx1">
+                  <a:lumMod val="75000"/>
+                  <a:lumOff val="25000"/>
+                </a:schemeClr>
+              </a:solidFill>
+            </a:endParaRPr>
+          </a:p>
+          <a:p>
+            <a:pPr>
+              <a:lnSpc>
+                <a:spcPct val="100000"/>
+              </a:lnSpc>
+            </a:pPr>
+            <a:r>
+              <a:rPr lang="pt-BR" sz="2400" dirty="0" err="1">
+                <a:solidFill>
+                  <a:schemeClr val="tx1">
+                    <a:lumMod val="75000"/>
+                    <a:lumOff val="25000"/>
+                  </a:schemeClr>
+                </a:solidFill>
+              </a:rPr>
+              <a:t>Multi-Plataform</a:t>
+            </a:r>
+            <a:r>
+              <a:rPr lang="pt-BR" sz="2400" dirty="0">
+                <a:solidFill>
+                  <a:schemeClr val="tx1">
+                    <a:lumMod val="75000"/>
+                    <a:lumOff val="25000"/>
+                  </a:schemeClr>
+                </a:solidFill>
+              </a:rPr>
+              <a:t> </a:t>
+            </a:r>
+            <a:r>
+              <a:rPr lang="pt-BR" sz="2400" dirty="0" err="1">
+                <a:solidFill>
+                  <a:schemeClr val="tx1">
+                    <a:lumMod val="75000"/>
+                    <a:lumOff val="25000"/>
+                  </a:schemeClr>
+                </a:solidFill>
+              </a:rPr>
+              <a:t>Technical</a:t>
+            </a:r>
+            <a:r>
+              <a:rPr lang="pt-BR" sz="2400" dirty="0">
+                <a:solidFill>
+                  <a:schemeClr val="tx1">
+                    <a:lumMod val="75000"/>
+                    <a:lumOff val="25000"/>
+                  </a:schemeClr>
+                </a:solidFill>
+              </a:rPr>
+              <a:t> </a:t>
+            </a:r>
+            <a:r>
+              <a:rPr lang="pt-BR" sz="2400" dirty="0" err="1">
+                <a:solidFill>
+                  <a:schemeClr val="tx1">
+                    <a:lumMod val="75000"/>
+                    <a:lumOff val="25000"/>
+                  </a:schemeClr>
+                </a:solidFill>
+              </a:rPr>
+              <a:t>Audience</a:t>
+            </a:r>
+            <a:r>
+              <a:rPr lang="pt-BR" sz="2400" dirty="0">
+                <a:solidFill>
+                  <a:schemeClr val="tx1">
+                    <a:lumMod val="75000"/>
+                    <a:lumOff val="25000"/>
+                  </a:schemeClr>
+                </a:solidFill>
+              </a:rPr>
+              <a:t> </a:t>
+            </a:r>
+            <a:r>
+              <a:rPr lang="pt-BR" sz="2400" dirty="0" err="1">
+                <a:solidFill>
+                  <a:schemeClr val="tx1">
+                    <a:lumMod val="75000"/>
+                    <a:lumOff val="25000"/>
+                  </a:schemeClr>
+                </a:solidFill>
+              </a:rPr>
+              <a:t>Contributor</a:t>
+            </a:r>
+            <a:r>
+              <a:rPr lang="pt-BR" sz="2400" dirty="0">
+                <a:solidFill>
+                  <a:schemeClr val="tx1">
+                    <a:lumMod val="75000"/>
+                    <a:lumOff val="25000"/>
+                  </a:schemeClr>
+                </a:solidFill>
+              </a:rPr>
+              <a:t> (MTAC)</a:t>
+            </a:r>
+          </a:p>
+          <a:p>
+            <a:pPr>
+              <a:lnSpc>
+                <a:spcPct val="100000"/>
+              </a:lnSpc>
+            </a:pPr>
+            <a:r>
+              <a:rPr lang="pt-BR" sz="2400" dirty="0">
+                <a:solidFill>
+                  <a:schemeClr val="tx1">
+                    <a:lumMod val="75000"/>
+                    <a:lumOff val="25000"/>
+                  </a:schemeClr>
+                </a:solidFill>
+              </a:rPr>
+              <a:t>Arquiteto de Soluções/Software</a:t>
+            </a:r>
+          </a:p>
+          <a:p>
+            <a:pPr>
+              <a:lnSpc>
+                <a:spcPct val="100000"/>
+              </a:lnSpc>
+            </a:pPr>
+            <a:r>
+              <a:rPr lang="pt-BR" sz="2400" dirty="0">
+                <a:solidFill>
+                  <a:schemeClr val="tx1">
+                    <a:lumMod val="75000"/>
+                    <a:lumOff val="25000"/>
+                  </a:schemeClr>
+                </a:solidFill>
+              </a:rPr>
+              <a:t>+20 anos de experiência na área de Tecnologia</a:t>
+            </a:r>
+          </a:p>
+          <a:p>
+            <a:pPr>
+              <a:lnSpc>
+                <a:spcPct val="100000"/>
+              </a:lnSpc>
+            </a:pPr>
+            <a:r>
+              <a:rPr lang="pt-BR" sz="2400" dirty="0">
+                <a:solidFill>
+                  <a:schemeClr val="tx1">
+                    <a:lumMod val="75000"/>
+                    <a:lumOff val="25000"/>
+                  </a:schemeClr>
+                </a:solidFill>
+              </a:rPr>
+              <a:t>Community </a:t>
+            </a:r>
+            <a:r>
+              <a:rPr lang="pt-BR" sz="2400" dirty="0" err="1">
+                <a:solidFill>
+                  <a:schemeClr val="tx1">
+                    <a:lumMod val="75000"/>
+                    <a:lumOff val="25000"/>
+                  </a:schemeClr>
+                </a:solidFill>
+              </a:rPr>
+              <a:t>Leader</a:t>
+            </a:r>
+            <a:r>
+              <a:rPr lang="pt-BR" sz="2400" dirty="0">
+                <a:solidFill>
+                  <a:schemeClr val="tx1">
+                    <a:lumMod val="75000"/>
+                    <a:lumOff val="25000"/>
+                  </a:schemeClr>
+                </a:solidFill>
+              </a:rPr>
+              <a:t>, Autor Técnico e Palestrante</a:t>
+            </a:r>
+          </a:p>
+        </p:txBody>
+      </p:sp>
+      <p:sp>
+        <p:nvSpPr>
+          <p:cNvPr id="3" name="Title 2"/>
+          <p:cNvSpPr>
+            <a:spLocks noGrp="1"/>
+          </p:cNvSpPr>
+          <p:nvPr>
+            <p:ph type="title"/>
+          </p:nvPr>
+        </p:nvSpPr>
+        <p:spPr>
+          <a:xfrm>
+            <a:off x="350837" y="36366"/>
+            <a:ext cx="5541788" cy="1174896"/>
+          </a:xfrm>
+        </p:spPr>
+        <p:txBody>
+          <a:bodyPr anchor="ctr">
+            <a:normAutofit/>
+          </a:bodyPr>
+          <a:lstStyle/>
+          <a:p>
+            <a:pPr algn="l"/>
+            <a:r>
+              <a:rPr lang="pt-PT" sz="4488" b="1" dirty="0">
+                <a:solidFill>
+                  <a:schemeClr val="bg2">
+                    <a:lumMod val="25000"/>
+                  </a:schemeClr>
+                </a:solidFill>
+              </a:rPr>
+              <a:t>Renato Groffe</a:t>
+            </a:r>
+          </a:p>
+        </p:txBody>
+      </p:sp>
+      <p:sp>
+        <p:nvSpPr>
+          <p:cNvPr id="17" name="Content Placeholder 1"/>
+          <p:cNvSpPr txBox="1">
+            <a:spLocks/>
+          </p:cNvSpPr>
+          <p:nvPr/>
+        </p:nvSpPr>
+        <p:spPr>
+          <a:xfrm>
+            <a:off x="883" y="6589794"/>
+            <a:ext cx="12434710" cy="415870"/>
+          </a:xfrm>
+          <a:prstGeom prst="rect">
+            <a:avLst/>
+          </a:prstGeom>
+          <a:solidFill>
+            <a:srgbClr val="292929"/>
+          </a:solidFill>
+        </p:spPr>
+        <p:txBody>
+          <a:bodyPr vert="horz" lIns="93247" tIns="46623" rIns="93247" bIns="46623" rtlCol="0">
+            <a:noAutofit/>
+          </a:bodyPr>
+          <a:lstStyle>
+            <a:lvl1pPr marL="342900" indent="-342900" algn="l" defTabSz="914400" rtl="0" eaLnBrk="1" latinLnBrk="0" hangingPunct="1">
+              <a:lnSpc>
+                <a:spcPts val="2600"/>
+              </a:lnSpc>
+              <a:spcBef>
+                <a:spcPct val="20000"/>
+              </a:spcBef>
+              <a:buFont typeface="Arial" pitchFamily="34" charset="0"/>
+              <a:buChar char="•"/>
+              <a:defRPr sz="1600" kern="1200">
+                <a:solidFill>
+                  <a:schemeClr val="accent1">
+                    <a:lumMod val="50000"/>
+                  </a:schemeClr>
+                </a:solidFill>
+                <a:latin typeface="Segoe UI Light" panose="020B0502040204020203" pitchFamily="34" charset="0"/>
+                <a:ea typeface="+mn-ea"/>
+                <a:cs typeface="Segoe UI Light" panose="020B0502040204020203" pitchFamily="34" charset="0"/>
+              </a:defRPr>
+            </a:lvl1pPr>
+            <a:lvl2pPr marL="742950" indent="-285750" algn="l" defTabSz="914400" rtl="0" eaLnBrk="1" latinLnBrk="0" hangingPunct="1">
+              <a:lnSpc>
+                <a:spcPts val="2600"/>
+              </a:lnSpc>
+              <a:spcBef>
+                <a:spcPct val="20000"/>
+              </a:spcBef>
+              <a:buFont typeface="Arial" pitchFamily="34" charset="0"/>
+              <a:buChar char="•"/>
+              <a:defRPr sz="1600" kern="1200">
+                <a:solidFill>
+                  <a:schemeClr val="accent1">
+                    <a:lumMod val="50000"/>
+                  </a:schemeClr>
+                </a:solidFill>
+                <a:latin typeface="Segoe UI Light" panose="020B0502040204020203" pitchFamily="34" charset="0"/>
+                <a:ea typeface="+mn-ea"/>
+                <a:cs typeface="Segoe UI Light" panose="020B0502040204020203" pitchFamily="34" charset="0"/>
+              </a:defRPr>
+            </a:lvl2pPr>
+            <a:lvl3pPr marL="1143000" indent="-228600" algn="l" defTabSz="914400" rtl="0" eaLnBrk="1" latinLnBrk="0" hangingPunct="1">
+              <a:lnSpc>
+                <a:spcPts val="2600"/>
+              </a:lnSpc>
+              <a:spcBef>
+                <a:spcPct val="20000"/>
+              </a:spcBef>
+              <a:buFont typeface="Arial" pitchFamily="34" charset="0"/>
+              <a:buChar char="•"/>
+              <a:defRPr sz="1600" kern="1200">
+                <a:solidFill>
+                  <a:schemeClr val="accent1">
+                    <a:lumMod val="50000"/>
+                  </a:schemeClr>
+                </a:solidFill>
+                <a:latin typeface="Segoe UI Light" panose="020B0502040204020203" pitchFamily="34" charset="0"/>
+                <a:ea typeface="+mn-ea"/>
+                <a:cs typeface="Segoe UI Light" panose="020B0502040204020203" pitchFamily="34" charset="0"/>
+              </a:defRPr>
+            </a:lvl3pPr>
+            <a:lvl4pPr marL="1600200" indent="-228600" algn="l" defTabSz="914400" rtl="0" eaLnBrk="1" latinLnBrk="0" hangingPunct="1">
+              <a:lnSpc>
+                <a:spcPts val="2600"/>
+              </a:lnSpc>
+              <a:spcBef>
+                <a:spcPct val="20000"/>
+              </a:spcBef>
+              <a:buFont typeface="Arial" pitchFamily="34" charset="0"/>
+              <a:buChar char="–"/>
+              <a:defRPr sz="1600" kern="1200">
+                <a:solidFill>
+                  <a:schemeClr val="accent1">
+                    <a:lumMod val="50000"/>
+                  </a:schemeClr>
+                </a:solidFill>
+                <a:latin typeface="Segoe UI Light" panose="020B0502040204020203" pitchFamily="34" charset="0"/>
+                <a:ea typeface="+mn-ea"/>
+                <a:cs typeface="Segoe UI Light" panose="020B0502040204020203" pitchFamily="34" charset="0"/>
+              </a:defRPr>
+            </a:lvl4pPr>
+            <a:lvl5pPr marL="2057400" indent="-228600" algn="l" defTabSz="914400" rtl="0" eaLnBrk="1" latinLnBrk="0" hangingPunct="1">
+              <a:lnSpc>
+                <a:spcPts val="2600"/>
+              </a:lnSpc>
+              <a:spcBef>
+                <a:spcPct val="20000"/>
+              </a:spcBef>
+              <a:buFont typeface="Arial" pitchFamily="34" charset="0"/>
+              <a:buChar char="»"/>
+              <a:defRPr sz="1600" kern="1200">
+                <a:solidFill>
+                  <a:schemeClr val="accent1">
+                    <a:lumMod val="50000"/>
+                  </a:schemeClr>
+                </a:solidFill>
+                <a:latin typeface="Segoe UI Light" panose="020B0502040204020203" pitchFamily="34" charset="0"/>
+                <a:ea typeface="+mn-ea"/>
+                <a:cs typeface="Segoe UI Light" panose="020B0502040204020203" pitchFamily="34" charset="0"/>
+              </a:defRPr>
+            </a:lvl5pPr>
+            <a:lvl6pPr marL="2514600" indent="-228600" algn="l" defTabSz="914400" rtl="0" eaLnBrk="1" latinLnBrk="0" hangingPunct="1">
+              <a:spcBef>
+                <a:spcPct val="20000"/>
+              </a:spcBef>
+              <a:buFont typeface="Arial" pitchFamily="34" charset="0"/>
+              <a:buChar char="•"/>
+              <a:defRPr sz="2000" kern="1200">
+                <a:solidFill>
+                  <a:schemeClr val="tx1"/>
+                </a:solidFill>
+                <a:latin typeface="+mn-lt"/>
+                <a:ea typeface="+mn-ea"/>
+                <a:cs typeface="+mn-cs"/>
+              </a:defRPr>
+            </a:lvl6pPr>
+            <a:lvl7pPr marL="2971800" indent="-228600" algn="l" defTabSz="914400" rtl="0" eaLnBrk="1" latinLnBrk="0" hangingPunct="1">
+              <a:spcBef>
+                <a:spcPct val="20000"/>
+              </a:spcBef>
+              <a:buFont typeface="Arial" pitchFamily="34" charset="0"/>
+              <a:buChar char="•"/>
+              <a:defRPr sz="2000" kern="1200">
+                <a:solidFill>
+                  <a:schemeClr val="tx1"/>
+                </a:solidFill>
+                <a:latin typeface="+mn-lt"/>
+                <a:ea typeface="+mn-ea"/>
+                <a:cs typeface="+mn-cs"/>
+              </a:defRPr>
+            </a:lvl7pPr>
+            <a:lvl8pPr marL="3429000" indent="-228600" algn="l" defTabSz="914400" rtl="0" eaLnBrk="1" latinLnBrk="0" hangingPunct="1">
+              <a:spcBef>
+                <a:spcPct val="20000"/>
+              </a:spcBef>
+              <a:buFont typeface="Arial" pitchFamily="34" charset="0"/>
+              <a:buChar char="•"/>
+              <a:defRPr sz="2000" kern="1200">
+                <a:solidFill>
+                  <a:schemeClr val="tx1"/>
+                </a:solidFill>
+                <a:latin typeface="+mn-lt"/>
+                <a:ea typeface="+mn-ea"/>
+                <a:cs typeface="+mn-cs"/>
+              </a:defRPr>
+            </a:lvl8pPr>
+            <a:lvl9pPr marL="3886200" indent="-228600" algn="l" defTabSz="914400" rtl="0" eaLnBrk="1" latinLnBrk="0" hangingPunct="1">
+              <a:spcBef>
+                <a:spcPct val="20000"/>
+              </a:spcBef>
+              <a:buFont typeface="Arial" pitchFamily="34" charset="0"/>
+              <a:buChar char="•"/>
+              <a:defRPr sz="2000" kern="1200">
+                <a:solidFill>
+                  <a:schemeClr val="tx1"/>
+                </a:solidFill>
+                <a:latin typeface="+mn-lt"/>
+                <a:ea typeface="+mn-ea"/>
+                <a:cs typeface="+mn-cs"/>
+              </a:defRPr>
+            </a:lvl9pPr>
+          </a:lstStyle>
+          <a:p>
+            <a:pPr marL="0" indent="0" algn="ctr">
+              <a:lnSpc>
+                <a:spcPct val="100000"/>
+              </a:lnSpc>
+              <a:buNone/>
+            </a:pPr>
+            <a:r>
+              <a:rPr lang="pt-BR" sz="1836" spc="300" dirty="0">
+                <a:solidFill>
+                  <a:schemeClr val="bg1"/>
+                </a:solidFill>
+              </a:rPr>
+              <a:t>https://renatogroffe.medium.com</a:t>
+            </a:r>
+          </a:p>
+        </p:txBody>
+      </p:sp>
+      <p:pic>
+        <p:nvPicPr>
+          <p:cNvPr id="21" name="Imagem 20">
+            <a:extLst>
+              <a:ext uri="{FF2B5EF4-FFF2-40B4-BE49-F238E27FC236}">
+                <a16:creationId xmlns:a16="http://schemas.microsoft.com/office/drawing/2014/main" id="{F16374F2-EFE7-4775-AD13-95766DD404A0}"/>
+              </a:ext>
+            </a:extLst>
+          </p:cNvPr>
+          <p:cNvPicPr>
+            <a:picLocks noChangeAspect="1"/>
+          </p:cNvPicPr>
+          <p:nvPr/>
+        </p:nvPicPr>
+        <p:blipFill>
+          <a:blip r:embed="rId3"/>
+          <a:stretch>
+            <a:fillRect/>
+          </a:stretch>
+        </p:blipFill>
+        <p:spPr>
+          <a:xfrm>
+            <a:off x="9148614" y="472111"/>
+            <a:ext cx="2064045" cy="2290202"/>
+          </a:xfrm>
+          <a:prstGeom prst="rect">
+            <a:avLst/>
+          </a:prstGeom>
+        </p:spPr>
+      </p:pic>
+      <p:pic>
+        <p:nvPicPr>
+          <p:cNvPr id="9" name="Picture 2" descr="http://www.codeisahighway.com/content/images/2015/10/MVP_Logo_Horizontal_Preferred_Cyan300_RGB_300ppi.png">
+            <a:extLst>
+              <a:ext uri="{FF2B5EF4-FFF2-40B4-BE49-F238E27FC236}">
+                <a16:creationId xmlns:a16="http://schemas.microsoft.com/office/drawing/2014/main" id="{C942EB67-E85D-42B0-8C54-899E7CBFA89F}"/>
+              </a:ext>
+            </a:extLst>
+          </p:cNvPr>
+          <p:cNvPicPr>
+            <a:picLocks noChangeAspect="1" noChangeArrowheads="1"/>
+          </p:cNvPicPr>
+          <p:nvPr/>
+        </p:nvPicPr>
+        <p:blipFill>
+          <a:blip r:embed="rId4">
+            <a:extLst>
+              <a:ext uri="{28A0092B-C50C-407E-A947-70E740481C1C}">
+                <a14:useLocalDpi xmlns:a14="http://schemas.microsoft.com/office/drawing/2010/main" val="0"/>
+              </a:ext>
+            </a:extLst>
+          </a:blip>
+          <a:srcRect/>
+          <a:stretch>
+            <a:fillRect/>
+          </a:stretch>
+        </p:blipFill>
+        <p:spPr bwMode="auto">
+          <a:xfrm>
+            <a:off x="9159726" y="3083121"/>
+            <a:ext cx="2052933" cy="828281"/>
+          </a:xfrm>
+          <a:prstGeom prst="rect">
+            <a:avLst/>
+          </a:prstGeom>
+          <a:noFill/>
+          <a:extLst>
+            <a:ext uri="{909E8E84-426E-40DD-AFC4-6F175D3DCCD1}">
+              <a14:hiddenFill xmlns:a14="http://schemas.microsoft.com/office/drawing/2010/main">
+                <a:solidFill>
+                  <a:srgbClr val="FFFFFF"/>
+                </a:solidFill>
+              </a14:hiddenFill>
+            </a:ext>
+          </a:extLst>
+        </p:spPr>
+      </p:pic>
+      <p:pic>
+        <p:nvPicPr>
+          <p:cNvPr id="6" name="Imagem 5" descr="Placa branca com texto preto sobre fundo azul&#10;&#10;Descrição gerada automaticamente">
+            <a:extLst>
+              <a:ext uri="{FF2B5EF4-FFF2-40B4-BE49-F238E27FC236}">
+                <a16:creationId xmlns:a16="http://schemas.microsoft.com/office/drawing/2014/main" id="{A06A382F-CB5E-49D3-A714-BF89782F31D2}"/>
+              </a:ext>
+            </a:extLst>
+          </p:cNvPr>
+          <p:cNvPicPr>
+            <a:picLocks noChangeAspect="1"/>
+          </p:cNvPicPr>
+          <p:nvPr/>
+        </p:nvPicPr>
+        <p:blipFill>
+          <a:blip r:embed="rId5">
+            <a:extLst>
+              <a:ext uri="{28A0092B-C50C-407E-A947-70E740481C1C}">
+                <a14:useLocalDpi xmlns:a14="http://schemas.microsoft.com/office/drawing/2010/main" val="0"/>
+              </a:ext>
+            </a:extLst>
+          </a:blip>
+          <a:stretch>
+            <a:fillRect/>
+          </a:stretch>
+        </p:blipFill>
+        <p:spPr>
+          <a:xfrm>
+            <a:off x="10510933" y="4142337"/>
+            <a:ext cx="1403451" cy="1403451"/>
+          </a:xfrm>
+          <a:prstGeom prst="rect">
+            <a:avLst/>
+          </a:prstGeom>
+        </p:spPr>
+      </p:pic>
+      <p:pic>
+        <p:nvPicPr>
+          <p:cNvPr id="5" name="Imagem 4">
+            <a:extLst>
+              <a:ext uri="{FF2B5EF4-FFF2-40B4-BE49-F238E27FC236}">
+                <a16:creationId xmlns:a16="http://schemas.microsoft.com/office/drawing/2014/main" id="{F1C07B8D-D885-A29F-54DF-949F73653865}"/>
+              </a:ext>
+            </a:extLst>
+          </p:cNvPr>
+          <p:cNvPicPr>
+            <a:picLocks noChangeAspect="1"/>
+          </p:cNvPicPr>
+          <p:nvPr/>
+        </p:nvPicPr>
+        <p:blipFill>
+          <a:blip r:embed="rId6"/>
+          <a:stretch>
+            <a:fillRect/>
+          </a:stretch>
+        </p:blipFill>
+        <p:spPr>
+          <a:xfrm>
+            <a:off x="9079155" y="4836355"/>
+            <a:ext cx="1600799" cy="1600799"/>
+          </a:xfrm>
+          <a:prstGeom prst="rect">
+            <a:avLst/>
+          </a:prstGeom>
+        </p:spPr>
+      </p:pic>
+      <p:pic>
+        <p:nvPicPr>
+          <p:cNvPr id="7" name="Imagem 6" descr="Placa azul com letras brancas&#10;&#10;O conteúdo gerado por IA pode estar incorreto.">
+            <a:extLst>
+              <a:ext uri="{FF2B5EF4-FFF2-40B4-BE49-F238E27FC236}">
+                <a16:creationId xmlns:a16="http://schemas.microsoft.com/office/drawing/2014/main" id="{CAB713EA-9E3B-51D0-845C-81E073A9D4D1}"/>
+              </a:ext>
+            </a:extLst>
+          </p:cNvPr>
+          <p:cNvPicPr>
+            <a:picLocks noChangeAspect="1"/>
+          </p:cNvPicPr>
+          <p:nvPr/>
+        </p:nvPicPr>
+        <p:blipFill>
+          <a:blip r:embed="rId7"/>
+          <a:stretch>
+            <a:fillRect/>
+          </a:stretch>
+        </p:blipFill>
+        <p:spPr>
+          <a:xfrm>
+            <a:off x="8105735" y="3702897"/>
+            <a:ext cx="1699365" cy="1699365"/>
+          </a:xfrm>
+          <a:prstGeom prst="rect">
+            <a:avLst/>
+          </a:prstGeom>
+        </p:spPr>
+      </p:pic>
+    </p:spTree>
+    <p:extLst>
+      <p:ext uri="{BB962C8B-B14F-4D97-AF65-F5344CB8AC3E}">
+        <p14:creationId xmlns:p14="http://schemas.microsoft.com/office/powerpoint/2010/main" val="458081820"/>
+      </p:ext>
+    </p:extLst>
+  </p:cSld>
+  <p:clrMapOvr>
+    <a:masterClrMapping/>
+  </p:clrMapOvr>
+  <mc:AlternateContent xmlns:mc="http://schemas.openxmlformats.org/markup-compatibility/2006" xmlns:p14="http://schemas.microsoft.com/office/powerpoint/2010/main">
+    <mc:Choice Requires="p14">
+      <p:transition spd="med" p14:dur="700">
+        <p:fade/>
+      </p:transition>
+    </mc:Choice>
+    <mc:Fallback xmlns="">
+      <p:transition spd="med">
+        <p:fade/>
+      </p:transition>
+    </mc:Fallback>
+  </mc:AlternateContent>
+</p:sld>
+</file>
+
+<file path=ppt/slides/slide20.xml><?xml version="1.0" encoding="utf-8"?>
 <p:sld xmlns:a="http://schemas.openxmlformats.org/drawingml/2006/main" xmlns:r="http://schemas.openxmlformats.org/officeDocument/2006/relationships" xmlns:p="http://schemas.openxmlformats.org/presentationml/2006/main">
   <p:cSld>
     <p:spTree>
@@ -30310,7 +32643,7 @@
 </p:sld>
 </file>
 
-<file path=ppt/slides/slide17.xml><?xml version="1.0" encoding="utf-8"?>
+<file path=ppt/slides/slide21.xml><?xml version="1.0" encoding="utf-8"?>
 <p:sld xmlns:a="http://schemas.openxmlformats.org/drawingml/2006/main" xmlns:r="http://schemas.openxmlformats.org/officeDocument/2006/relationships" xmlns:p="http://schemas.openxmlformats.org/presentationml/2006/main">
   <p:cSld>
     <p:spTree>
@@ -30551,7 +32884,7 @@
 </p:sld>
 </file>
 
-<file path=ppt/slides/slide18.xml><?xml version="1.0" encoding="utf-8"?>
+<file path=ppt/slides/slide22.xml><?xml version="1.0" encoding="utf-8"?>
 <p:sld xmlns:a="http://schemas.openxmlformats.org/drawingml/2006/main" xmlns:r="http://schemas.openxmlformats.org/officeDocument/2006/relationships" xmlns:p="http://schemas.openxmlformats.org/presentationml/2006/main">
   <p:cSld>
     <p:spTree>
@@ -30962,7 +33295,7 @@
 </p:sld>
 </file>
 
-<file path=ppt/slides/slide19.xml><?xml version="1.0" encoding="utf-8"?>
+<file path=ppt/slides/slide23.xml><?xml version="1.0" encoding="utf-8"?>
 <p:sld xmlns:a="http://schemas.openxmlformats.org/drawingml/2006/main" xmlns:r="http://schemas.openxmlformats.org/officeDocument/2006/relationships" xmlns:p="http://schemas.openxmlformats.org/presentationml/2006/main">
   <p:cSld>
     <p:bg>
@@ -31228,769 +33561,6 @@
     <p:extLst>
       <p:ext uri="{BB962C8B-B14F-4D97-AF65-F5344CB8AC3E}">
         <p14:creationId xmlns:p14="http://schemas.microsoft.com/office/powerpoint/2010/main" val="2207679975"/>
-      </p:ext>
-    </p:extLst>
-  </p:cSld>
-  <p:clrMapOvr>
-    <a:masterClrMapping/>
-  </p:clrMapOvr>
-  <mc:AlternateContent xmlns:mc="http://schemas.openxmlformats.org/markup-compatibility/2006" xmlns:p14="http://schemas.microsoft.com/office/powerpoint/2010/main">
-    <mc:Choice Requires="p14">
-      <p:transition spd="med" p14:dur="700">
-        <p:fade/>
-      </p:transition>
-    </mc:Choice>
-    <mc:Fallback xmlns="">
-      <p:transition spd="med">
-        <p:fade/>
-      </p:transition>
-    </mc:Fallback>
-  </mc:AlternateContent>
-</p:sld>
-</file>
-
-<file path=ppt/slides/slide2.xml><?xml version="1.0" encoding="utf-8"?>
-<p:sld xmlns:a="http://schemas.openxmlformats.org/drawingml/2006/main" xmlns:r="http://schemas.openxmlformats.org/officeDocument/2006/relationships" xmlns:p="http://schemas.openxmlformats.org/presentationml/2006/main">
-  <p:cSld>
-    <p:spTree>
-      <p:nvGrpSpPr>
-        <p:cNvPr id="1" name=""/>
-        <p:cNvGrpSpPr/>
-        <p:nvPr/>
-      </p:nvGrpSpPr>
-      <p:grpSpPr>
-        <a:xfrm>
-          <a:off x="0" y="0"/>
-          <a:ext cx="0" cy="0"/>
-          <a:chOff x="0" y="0"/>
-          <a:chExt cx="0" cy="0"/>
-        </a:xfrm>
-      </p:grpSpPr>
-      <p:sp>
-        <p:nvSpPr>
-          <p:cNvPr id="2" name="Content Placeholder 1"/>
-          <p:cNvSpPr>
-            <a:spLocks noGrp="1"/>
-          </p:cNvSpPr>
-          <p:nvPr>
-            <p:ph idx="1"/>
-          </p:nvPr>
-        </p:nvSpPr>
-        <p:spPr>
-          <a:xfrm>
-            <a:off x="201916" y="1820862"/>
-            <a:ext cx="7692721" cy="5181600"/>
-          </a:xfrm>
-        </p:spPr>
-        <p:txBody>
-          <a:bodyPr>
-            <a:noAutofit/>
-          </a:bodyPr>
-          <a:lstStyle/>
-          <a:p>
-            <a:pPr>
-              <a:lnSpc>
-                <a:spcPct val="100000"/>
-              </a:lnSpc>
-            </a:pPr>
-            <a:r>
-              <a:rPr lang="pt-BR" sz="2400" dirty="0">
-                <a:solidFill>
-                  <a:schemeClr val="tx1">
-                    <a:lumMod val="75000"/>
-                    <a:lumOff val="25000"/>
-                  </a:schemeClr>
-                </a:solidFill>
-              </a:rPr>
-              <a:t>Microsoft Most </a:t>
-            </a:r>
-            <a:r>
-              <a:rPr lang="pt-BR" sz="2400" dirty="0" err="1">
-                <a:solidFill>
-                  <a:schemeClr val="tx1">
-                    <a:lumMod val="75000"/>
-                    <a:lumOff val="25000"/>
-                  </a:schemeClr>
-                </a:solidFill>
-              </a:rPr>
-              <a:t>Valuable</a:t>
-            </a:r>
-            <a:r>
-              <a:rPr lang="pt-BR" sz="2400" dirty="0">
-                <a:solidFill>
-                  <a:schemeClr val="tx1">
-                    <a:lumMod val="75000"/>
-                    <a:lumOff val="25000"/>
-                  </a:schemeClr>
-                </a:solidFill>
-              </a:rPr>
-              <a:t> Professional (MVP)</a:t>
-            </a:r>
-          </a:p>
-          <a:p>
-            <a:pPr>
-              <a:lnSpc>
-                <a:spcPct val="100000"/>
-              </a:lnSpc>
-            </a:pPr>
-            <a:r>
-              <a:rPr lang="pt-BR" sz="2400" dirty="0">
-                <a:solidFill>
-                  <a:schemeClr val="tx1">
-                    <a:lumMod val="75000"/>
-                    <a:lumOff val="25000"/>
-                  </a:schemeClr>
-                </a:solidFill>
-              </a:rPr>
-              <a:t>Docker </a:t>
-            </a:r>
-            <a:r>
-              <a:rPr lang="pt-BR" sz="2400" dirty="0" err="1">
-                <a:solidFill>
-                  <a:schemeClr val="tx1">
-                    <a:lumMod val="75000"/>
-                    <a:lumOff val="25000"/>
-                  </a:schemeClr>
-                </a:solidFill>
-              </a:rPr>
-              <a:t>Captain</a:t>
-            </a:r>
-            <a:endParaRPr lang="pt-BR" sz="2400" dirty="0">
-              <a:solidFill>
-                <a:schemeClr val="tx1">
-                  <a:lumMod val="75000"/>
-                  <a:lumOff val="25000"/>
-                </a:schemeClr>
-              </a:solidFill>
-            </a:endParaRPr>
-          </a:p>
-          <a:p>
-            <a:pPr>
-              <a:lnSpc>
-                <a:spcPct val="100000"/>
-              </a:lnSpc>
-            </a:pPr>
-            <a:r>
-              <a:rPr lang="pt-BR" sz="2400" dirty="0">
-                <a:solidFill>
-                  <a:schemeClr val="tx1">
-                    <a:lumMod val="75000"/>
-                    <a:lumOff val="25000"/>
-                  </a:schemeClr>
-                </a:solidFill>
-              </a:rPr>
-              <a:t>APISEC U </a:t>
-            </a:r>
-            <a:r>
-              <a:rPr lang="pt-BR" sz="2400" dirty="0" err="1">
-                <a:solidFill>
-                  <a:schemeClr val="tx1">
-                    <a:lumMod val="75000"/>
-                    <a:lumOff val="25000"/>
-                  </a:schemeClr>
-                </a:solidFill>
-              </a:rPr>
-              <a:t>Ambassador</a:t>
-            </a:r>
-            <a:endParaRPr lang="pt-BR" sz="2400" dirty="0">
-              <a:solidFill>
-                <a:schemeClr val="tx1">
-                  <a:lumMod val="75000"/>
-                  <a:lumOff val="25000"/>
-                </a:schemeClr>
-              </a:solidFill>
-            </a:endParaRPr>
-          </a:p>
-          <a:p>
-            <a:pPr>
-              <a:lnSpc>
-                <a:spcPct val="100000"/>
-              </a:lnSpc>
-            </a:pPr>
-            <a:r>
-              <a:rPr lang="pt-BR" sz="2400" dirty="0" err="1">
-                <a:solidFill>
-                  <a:schemeClr val="tx1">
-                    <a:lumMod val="75000"/>
-                    <a:lumOff val="25000"/>
-                  </a:schemeClr>
-                </a:solidFill>
-              </a:rPr>
-              <a:t>Multi-Plataform</a:t>
-            </a:r>
-            <a:r>
-              <a:rPr lang="pt-BR" sz="2400" dirty="0">
-                <a:solidFill>
-                  <a:schemeClr val="tx1">
-                    <a:lumMod val="75000"/>
-                    <a:lumOff val="25000"/>
-                  </a:schemeClr>
-                </a:solidFill>
-              </a:rPr>
-              <a:t> </a:t>
-            </a:r>
-            <a:r>
-              <a:rPr lang="pt-BR" sz="2400" dirty="0" err="1">
-                <a:solidFill>
-                  <a:schemeClr val="tx1">
-                    <a:lumMod val="75000"/>
-                    <a:lumOff val="25000"/>
-                  </a:schemeClr>
-                </a:solidFill>
-              </a:rPr>
-              <a:t>Technical</a:t>
-            </a:r>
-            <a:r>
-              <a:rPr lang="pt-BR" sz="2400" dirty="0">
-                <a:solidFill>
-                  <a:schemeClr val="tx1">
-                    <a:lumMod val="75000"/>
-                    <a:lumOff val="25000"/>
-                  </a:schemeClr>
-                </a:solidFill>
-              </a:rPr>
-              <a:t> </a:t>
-            </a:r>
-            <a:r>
-              <a:rPr lang="pt-BR" sz="2400" dirty="0" err="1">
-                <a:solidFill>
-                  <a:schemeClr val="tx1">
-                    <a:lumMod val="75000"/>
-                    <a:lumOff val="25000"/>
-                  </a:schemeClr>
-                </a:solidFill>
-              </a:rPr>
-              <a:t>Audience</a:t>
-            </a:r>
-            <a:r>
-              <a:rPr lang="pt-BR" sz="2400" dirty="0">
-                <a:solidFill>
-                  <a:schemeClr val="tx1">
-                    <a:lumMod val="75000"/>
-                    <a:lumOff val="25000"/>
-                  </a:schemeClr>
-                </a:solidFill>
-              </a:rPr>
-              <a:t> </a:t>
-            </a:r>
-            <a:r>
-              <a:rPr lang="pt-BR" sz="2400" dirty="0" err="1">
-                <a:solidFill>
-                  <a:schemeClr val="tx1">
-                    <a:lumMod val="75000"/>
-                    <a:lumOff val="25000"/>
-                  </a:schemeClr>
-                </a:solidFill>
-              </a:rPr>
-              <a:t>Contributor</a:t>
-            </a:r>
-            <a:r>
-              <a:rPr lang="pt-BR" sz="2400" dirty="0">
-                <a:solidFill>
-                  <a:schemeClr val="tx1">
-                    <a:lumMod val="75000"/>
-                    <a:lumOff val="25000"/>
-                  </a:schemeClr>
-                </a:solidFill>
-              </a:rPr>
-              <a:t> (MTAC)</a:t>
-            </a:r>
-          </a:p>
-          <a:p>
-            <a:pPr>
-              <a:lnSpc>
-                <a:spcPct val="100000"/>
-              </a:lnSpc>
-            </a:pPr>
-            <a:r>
-              <a:rPr lang="pt-BR" sz="2400" dirty="0">
-                <a:solidFill>
-                  <a:schemeClr val="tx1">
-                    <a:lumMod val="75000"/>
-                    <a:lumOff val="25000"/>
-                  </a:schemeClr>
-                </a:solidFill>
-              </a:rPr>
-              <a:t>Arquiteto de Soluções/Software</a:t>
-            </a:r>
-          </a:p>
-          <a:p>
-            <a:pPr>
-              <a:lnSpc>
-                <a:spcPct val="100000"/>
-              </a:lnSpc>
-            </a:pPr>
-            <a:r>
-              <a:rPr lang="pt-BR" sz="2400" dirty="0">
-                <a:solidFill>
-                  <a:schemeClr val="tx1">
-                    <a:lumMod val="75000"/>
-                    <a:lumOff val="25000"/>
-                  </a:schemeClr>
-                </a:solidFill>
-              </a:rPr>
-              <a:t>+20 anos de experiência na área de Tecnologia</a:t>
-            </a:r>
-          </a:p>
-          <a:p>
-            <a:pPr>
-              <a:lnSpc>
-                <a:spcPct val="100000"/>
-              </a:lnSpc>
-            </a:pPr>
-            <a:r>
-              <a:rPr lang="pt-BR" sz="2400" dirty="0">
-                <a:solidFill>
-                  <a:schemeClr val="tx1">
-                    <a:lumMod val="75000"/>
-                    <a:lumOff val="25000"/>
-                  </a:schemeClr>
-                </a:solidFill>
-              </a:rPr>
-              <a:t>Community </a:t>
-            </a:r>
-            <a:r>
-              <a:rPr lang="pt-BR" sz="2400" dirty="0" err="1">
-                <a:solidFill>
-                  <a:schemeClr val="tx1">
-                    <a:lumMod val="75000"/>
-                    <a:lumOff val="25000"/>
-                  </a:schemeClr>
-                </a:solidFill>
-              </a:rPr>
-              <a:t>Leader</a:t>
-            </a:r>
-            <a:r>
-              <a:rPr lang="pt-BR" sz="2400" dirty="0">
-                <a:solidFill>
-                  <a:schemeClr val="tx1">
-                    <a:lumMod val="75000"/>
-                    <a:lumOff val="25000"/>
-                  </a:schemeClr>
-                </a:solidFill>
-              </a:rPr>
-              <a:t>, Autor Técnico e Palestrante</a:t>
-            </a:r>
-          </a:p>
-        </p:txBody>
-      </p:sp>
-      <p:sp>
-        <p:nvSpPr>
-          <p:cNvPr id="3" name="Title 2"/>
-          <p:cNvSpPr>
-            <a:spLocks noGrp="1"/>
-          </p:cNvSpPr>
-          <p:nvPr>
-            <p:ph type="title"/>
-          </p:nvPr>
-        </p:nvSpPr>
-        <p:spPr>
-          <a:xfrm>
-            <a:off x="350837" y="36366"/>
-            <a:ext cx="5541788" cy="1174896"/>
-          </a:xfrm>
-        </p:spPr>
-        <p:txBody>
-          <a:bodyPr anchor="ctr">
-            <a:normAutofit/>
-          </a:bodyPr>
-          <a:lstStyle/>
-          <a:p>
-            <a:pPr algn="l"/>
-            <a:r>
-              <a:rPr lang="pt-PT" sz="4488" b="1" dirty="0">
-                <a:solidFill>
-                  <a:schemeClr val="bg2">
-                    <a:lumMod val="25000"/>
-                  </a:schemeClr>
-                </a:solidFill>
-              </a:rPr>
-              <a:t>Renato Groffe</a:t>
-            </a:r>
-          </a:p>
-        </p:txBody>
-      </p:sp>
-      <p:sp>
-        <p:nvSpPr>
-          <p:cNvPr id="17" name="Content Placeholder 1"/>
-          <p:cNvSpPr txBox="1">
-            <a:spLocks/>
-          </p:cNvSpPr>
-          <p:nvPr/>
-        </p:nvSpPr>
-        <p:spPr>
-          <a:xfrm>
-            <a:off x="883" y="6589794"/>
-            <a:ext cx="12434710" cy="415870"/>
-          </a:xfrm>
-          <a:prstGeom prst="rect">
-            <a:avLst/>
-          </a:prstGeom>
-          <a:solidFill>
-            <a:srgbClr val="292929"/>
-          </a:solidFill>
-        </p:spPr>
-        <p:txBody>
-          <a:bodyPr vert="horz" lIns="93247" tIns="46623" rIns="93247" bIns="46623" rtlCol="0">
-            <a:noAutofit/>
-          </a:bodyPr>
-          <a:lstStyle>
-            <a:lvl1pPr marL="342900" indent="-342900" algn="l" defTabSz="914400" rtl="0" eaLnBrk="1" latinLnBrk="0" hangingPunct="1">
-              <a:lnSpc>
-                <a:spcPts val="2600"/>
-              </a:lnSpc>
-              <a:spcBef>
-                <a:spcPct val="20000"/>
-              </a:spcBef>
-              <a:buFont typeface="Arial" pitchFamily="34" charset="0"/>
-              <a:buChar char="•"/>
-              <a:defRPr sz="1600" kern="1200">
-                <a:solidFill>
-                  <a:schemeClr val="accent1">
-                    <a:lumMod val="50000"/>
-                  </a:schemeClr>
-                </a:solidFill>
-                <a:latin typeface="Segoe UI Light" panose="020B0502040204020203" pitchFamily="34" charset="0"/>
-                <a:ea typeface="+mn-ea"/>
-                <a:cs typeface="Segoe UI Light" panose="020B0502040204020203" pitchFamily="34" charset="0"/>
-              </a:defRPr>
-            </a:lvl1pPr>
-            <a:lvl2pPr marL="742950" indent="-285750" algn="l" defTabSz="914400" rtl="0" eaLnBrk="1" latinLnBrk="0" hangingPunct="1">
-              <a:lnSpc>
-                <a:spcPts val="2600"/>
-              </a:lnSpc>
-              <a:spcBef>
-                <a:spcPct val="20000"/>
-              </a:spcBef>
-              <a:buFont typeface="Arial" pitchFamily="34" charset="0"/>
-              <a:buChar char="•"/>
-              <a:defRPr sz="1600" kern="1200">
-                <a:solidFill>
-                  <a:schemeClr val="accent1">
-                    <a:lumMod val="50000"/>
-                  </a:schemeClr>
-                </a:solidFill>
-                <a:latin typeface="Segoe UI Light" panose="020B0502040204020203" pitchFamily="34" charset="0"/>
-                <a:ea typeface="+mn-ea"/>
-                <a:cs typeface="Segoe UI Light" panose="020B0502040204020203" pitchFamily="34" charset="0"/>
-              </a:defRPr>
-            </a:lvl2pPr>
-            <a:lvl3pPr marL="1143000" indent="-228600" algn="l" defTabSz="914400" rtl="0" eaLnBrk="1" latinLnBrk="0" hangingPunct="1">
-              <a:lnSpc>
-                <a:spcPts val="2600"/>
-              </a:lnSpc>
-              <a:spcBef>
-                <a:spcPct val="20000"/>
-              </a:spcBef>
-              <a:buFont typeface="Arial" pitchFamily="34" charset="0"/>
-              <a:buChar char="•"/>
-              <a:defRPr sz="1600" kern="1200">
-                <a:solidFill>
-                  <a:schemeClr val="accent1">
-                    <a:lumMod val="50000"/>
-                  </a:schemeClr>
-                </a:solidFill>
-                <a:latin typeface="Segoe UI Light" panose="020B0502040204020203" pitchFamily="34" charset="0"/>
-                <a:ea typeface="+mn-ea"/>
-                <a:cs typeface="Segoe UI Light" panose="020B0502040204020203" pitchFamily="34" charset="0"/>
-              </a:defRPr>
-            </a:lvl3pPr>
-            <a:lvl4pPr marL="1600200" indent="-228600" algn="l" defTabSz="914400" rtl="0" eaLnBrk="1" latinLnBrk="0" hangingPunct="1">
-              <a:lnSpc>
-                <a:spcPts val="2600"/>
-              </a:lnSpc>
-              <a:spcBef>
-                <a:spcPct val="20000"/>
-              </a:spcBef>
-              <a:buFont typeface="Arial" pitchFamily="34" charset="0"/>
-              <a:buChar char="–"/>
-              <a:defRPr sz="1600" kern="1200">
-                <a:solidFill>
-                  <a:schemeClr val="accent1">
-                    <a:lumMod val="50000"/>
-                  </a:schemeClr>
-                </a:solidFill>
-                <a:latin typeface="Segoe UI Light" panose="020B0502040204020203" pitchFamily="34" charset="0"/>
-                <a:ea typeface="+mn-ea"/>
-                <a:cs typeface="Segoe UI Light" panose="020B0502040204020203" pitchFamily="34" charset="0"/>
-              </a:defRPr>
-            </a:lvl4pPr>
-            <a:lvl5pPr marL="2057400" indent="-228600" algn="l" defTabSz="914400" rtl="0" eaLnBrk="1" latinLnBrk="0" hangingPunct="1">
-              <a:lnSpc>
-                <a:spcPts val="2600"/>
-              </a:lnSpc>
-              <a:spcBef>
-                <a:spcPct val="20000"/>
-              </a:spcBef>
-              <a:buFont typeface="Arial" pitchFamily="34" charset="0"/>
-              <a:buChar char="»"/>
-              <a:defRPr sz="1600" kern="1200">
-                <a:solidFill>
-                  <a:schemeClr val="accent1">
-                    <a:lumMod val="50000"/>
-                  </a:schemeClr>
-                </a:solidFill>
-                <a:latin typeface="Segoe UI Light" panose="020B0502040204020203" pitchFamily="34" charset="0"/>
-                <a:ea typeface="+mn-ea"/>
-                <a:cs typeface="Segoe UI Light" panose="020B0502040204020203" pitchFamily="34" charset="0"/>
-              </a:defRPr>
-            </a:lvl5pPr>
-            <a:lvl6pPr marL="2514600" indent="-228600" algn="l" defTabSz="914400" rtl="0" eaLnBrk="1" latinLnBrk="0" hangingPunct="1">
-              <a:spcBef>
-                <a:spcPct val="20000"/>
-              </a:spcBef>
-              <a:buFont typeface="Arial" pitchFamily="34" charset="0"/>
-              <a:buChar char="•"/>
-              <a:defRPr sz="2000" kern="1200">
-                <a:solidFill>
-                  <a:schemeClr val="tx1"/>
-                </a:solidFill>
-                <a:latin typeface="+mn-lt"/>
-                <a:ea typeface="+mn-ea"/>
-                <a:cs typeface="+mn-cs"/>
-              </a:defRPr>
-            </a:lvl6pPr>
-            <a:lvl7pPr marL="2971800" indent="-228600" algn="l" defTabSz="914400" rtl="0" eaLnBrk="1" latinLnBrk="0" hangingPunct="1">
-              <a:spcBef>
-                <a:spcPct val="20000"/>
-              </a:spcBef>
-              <a:buFont typeface="Arial" pitchFamily="34" charset="0"/>
-              <a:buChar char="•"/>
-              <a:defRPr sz="2000" kern="1200">
-                <a:solidFill>
-                  <a:schemeClr val="tx1"/>
-                </a:solidFill>
-                <a:latin typeface="+mn-lt"/>
-                <a:ea typeface="+mn-ea"/>
-                <a:cs typeface="+mn-cs"/>
-              </a:defRPr>
-            </a:lvl7pPr>
-            <a:lvl8pPr marL="3429000" indent="-228600" algn="l" defTabSz="914400" rtl="0" eaLnBrk="1" latinLnBrk="0" hangingPunct="1">
-              <a:spcBef>
-                <a:spcPct val="20000"/>
-              </a:spcBef>
-              <a:buFont typeface="Arial" pitchFamily="34" charset="0"/>
-              <a:buChar char="•"/>
-              <a:defRPr sz="2000" kern="1200">
-                <a:solidFill>
-                  <a:schemeClr val="tx1"/>
-                </a:solidFill>
-                <a:latin typeface="+mn-lt"/>
-                <a:ea typeface="+mn-ea"/>
-                <a:cs typeface="+mn-cs"/>
-              </a:defRPr>
-            </a:lvl8pPr>
-            <a:lvl9pPr marL="3886200" indent="-228600" algn="l" defTabSz="914400" rtl="0" eaLnBrk="1" latinLnBrk="0" hangingPunct="1">
-              <a:spcBef>
-                <a:spcPct val="20000"/>
-              </a:spcBef>
-              <a:buFont typeface="Arial" pitchFamily="34" charset="0"/>
-              <a:buChar char="•"/>
-              <a:defRPr sz="2000" kern="1200">
-                <a:solidFill>
-                  <a:schemeClr val="tx1"/>
-                </a:solidFill>
-                <a:latin typeface="+mn-lt"/>
-                <a:ea typeface="+mn-ea"/>
-                <a:cs typeface="+mn-cs"/>
-              </a:defRPr>
-            </a:lvl9pPr>
-          </a:lstStyle>
-          <a:p>
-            <a:pPr marL="0" indent="0" algn="ctr">
-              <a:lnSpc>
-                <a:spcPct val="100000"/>
-              </a:lnSpc>
-              <a:buNone/>
-            </a:pPr>
-            <a:r>
-              <a:rPr lang="pt-BR" sz="1836" spc="300" dirty="0">
-                <a:solidFill>
-                  <a:schemeClr val="bg1"/>
-                </a:solidFill>
-              </a:rPr>
-              <a:t>https://renatogroffe.medium.com</a:t>
-            </a:r>
-          </a:p>
-        </p:txBody>
-      </p:sp>
-      <p:pic>
-        <p:nvPicPr>
-          <p:cNvPr id="21" name="Imagem 20">
-            <a:extLst>
-              <a:ext uri="{FF2B5EF4-FFF2-40B4-BE49-F238E27FC236}">
-                <a16:creationId xmlns:a16="http://schemas.microsoft.com/office/drawing/2014/main" id="{F16374F2-EFE7-4775-AD13-95766DD404A0}"/>
-              </a:ext>
-            </a:extLst>
-          </p:cNvPr>
-          <p:cNvPicPr>
-            <a:picLocks noChangeAspect="1"/>
-          </p:cNvPicPr>
-          <p:nvPr/>
-        </p:nvPicPr>
-        <p:blipFill>
-          <a:blip r:embed="rId3"/>
-          <a:stretch>
-            <a:fillRect/>
-          </a:stretch>
-        </p:blipFill>
-        <p:spPr>
-          <a:xfrm>
-            <a:off x="9148614" y="472111"/>
-            <a:ext cx="2064045" cy="2290202"/>
-          </a:xfrm>
-          <a:prstGeom prst="rect">
-            <a:avLst/>
-          </a:prstGeom>
-        </p:spPr>
-      </p:pic>
-      <p:pic>
-        <p:nvPicPr>
-          <p:cNvPr id="9" name="Picture 2" descr="http://www.codeisahighway.com/content/images/2015/10/MVP_Logo_Horizontal_Preferred_Cyan300_RGB_300ppi.png">
-            <a:extLst>
-              <a:ext uri="{FF2B5EF4-FFF2-40B4-BE49-F238E27FC236}">
-                <a16:creationId xmlns:a16="http://schemas.microsoft.com/office/drawing/2014/main" id="{C942EB67-E85D-42B0-8C54-899E7CBFA89F}"/>
-              </a:ext>
-            </a:extLst>
-          </p:cNvPr>
-          <p:cNvPicPr>
-            <a:picLocks noChangeAspect="1" noChangeArrowheads="1"/>
-          </p:cNvPicPr>
-          <p:nvPr/>
-        </p:nvPicPr>
-        <p:blipFill>
-          <a:blip r:embed="rId4">
-            <a:extLst>
-              <a:ext uri="{28A0092B-C50C-407E-A947-70E740481C1C}">
-                <a14:useLocalDpi xmlns:a14="http://schemas.microsoft.com/office/drawing/2010/main" val="0"/>
-              </a:ext>
-            </a:extLst>
-          </a:blip>
-          <a:srcRect/>
-          <a:stretch>
-            <a:fillRect/>
-          </a:stretch>
-        </p:blipFill>
-        <p:spPr bwMode="auto">
-          <a:xfrm>
-            <a:off x="9159726" y="3083121"/>
-            <a:ext cx="2052933" cy="828281"/>
-          </a:xfrm>
-          <a:prstGeom prst="rect">
-            <a:avLst/>
-          </a:prstGeom>
-          <a:noFill/>
-          <a:extLst>
-            <a:ext uri="{909E8E84-426E-40DD-AFC4-6F175D3DCCD1}">
-              <a14:hiddenFill xmlns:a14="http://schemas.microsoft.com/office/drawing/2010/main">
-                <a:solidFill>
-                  <a:srgbClr val="FFFFFF"/>
-                </a:solidFill>
-              </a14:hiddenFill>
-            </a:ext>
-          </a:extLst>
-        </p:spPr>
-      </p:pic>
-      <p:pic>
-        <p:nvPicPr>
-          <p:cNvPr id="6" name="Imagem 5" descr="Placa branca com texto preto sobre fundo azul&#10;&#10;Descrição gerada automaticamente">
-            <a:extLst>
-              <a:ext uri="{FF2B5EF4-FFF2-40B4-BE49-F238E27FC236}">
-                <a16:creationId xmlns:a16="http://schemas.microsoft.com/office/drawing/2014/main" id="{A06A382F-CB5E-49D3-A714-BF89782F31D2}"/>
-              </a:ext>
-            </a:extLst>
-          </p:cNvPr>
-          <p:cNvPicPr>
-            <a:picLocks noChangeAspect="1"/>
-          </p:cNvPicPr>
-          <p:nvPr/>
-        </p:nvPicPr>
-        <p:blipFill>
-          <a:blip r:embed="rId5">
-            <a:extLst>
-              <a:ext uri="{28A0092B-C50C-407E-A947-70E740481C1C}">
-                <a14:useLocalDpi xmlns:a14="http://schemas.microsoft.com/office/drawing/2010/main" val="0"/>
-              </a:ext>
-            </a:extLst>
-          </a:blip>
-          <a:stretch>
-            <a:fillRect/>
-          </a:stretch>
-        </p:blipFill>
-        <p:spPr>
-          <a:xfrm>
-            <a:off x="10510933" y="4142337"/>
-            <a:ext cx="1403451" cy="1403451"/>
-          </a:xfrm>
-          <a:prstGeom prst="rect">
-            <a:avLst/>
-          </a:prstGeom>
-        </p:spPr>
-      </p:pic>
-      <p:pic>
-        <p:nvPicPr>
-          <p:cNvPr id="5" name="Imagem 4">
-            <a:extLst>
-              <a:ext uri="{FF2B5EF4-FFF2-40B4-BE49-F238E27FC236}">
-                <a16:creationId xmlns:a16="http://schemas.microsoft.com/office/drawing/2014/main" id="{F1C07B8D-D885-A29F-54DF-949F73653865}"/>
-              </a:ext>
-            </a:extLst>
-          </p:cNvPr>
-          <p:cNvPicPr>
-            <a:picLocks noChangeAspect="1"/>
-          </p:cNvPicPr>
-          <p:nvPr/>
-        </p:nvPicPr>
-        <p:blipFill>
-          <a:blip r:embed="rId6"/>
-          <a:stretch>
-            <a:fillRect/>
-          </a:stretch>
-        </p:blipFill>
-        <p:spPr>
-          <a:xfrm>
-            <a:off x="9079155" y="4836355"/>
-            <a:ext cx="1600799" cy="1600799"/>
-          </a:xfrm>
-          <a:prstGeom prst="rect">
-            <a:avLst/>
-          </a:prstGeom>
-        </p:spPr>
-      </p:pic>
-      <p:pic>
-        <p:nvPicPr>
-          <p:cNvPr id="7" name="Imagem 6" descr="Placa azul com letras brancas&#10;&#10;O conteúdo gerado por IA pode estar incorreto.">
-            <a:extLst>
-              <a:ext uri="{FF2B5EF4-FFF2-40B4-BE49-F238E27FC236}">
-                <a16:creationId xmlns:a16="http://schemas.microsoft.com/office/drawing/2014/main" id="{CAB713EA-9E3B-51D0-845C-81E073A9D4D1}"/>
-              </a:ext>
-            </a:extLst>
-          </p:cNvPr>
-          <p:cNvPicPr>
-            <a:picLocks noChangeAspect="1"/>
-          </p:cNvPicPr>
-          <p:nvPr/>
-        </p:nvPicPr>
-        <p:blipFill>
-          <a:blip r:embed="rId7"/>
-          <a:stretch>
-            <a:fillRect/>
-          </a:stretch>
-        </p:blipFill>
-        <p:spPr>
-          <a:xfrm>
-            <a:off x="8105735" y="3702897"/>
-            <a:ext cx="1699365" cy="1699365"/>
-          </a:xfrm>
-          <a:prstGeom prst="rect">
-            <a:avLst/>
-          </a:prstGeom>
-        </p:spPr>
-      </p:pic>
-    </p:spTree>
-    <p:extLst>
-      <p:ext uri="{BB962C8B-B14F-4D97-AF65-F5344CB8AC3E}">
-        <p14:creationId xmlns:p14="http://schemas.microsoft.com/office/powerpoint/2010/main" val="458081820"/>
       </p:ext>
     </p:extLst>
   </p:cSld>
@@ -32699,7 +34269,7 @@
         <p:spPr>
           <a:xfrm>
             <a:off x="274638" y="1519205"/>
-            <a:ext cx="11810999" cy="1902059"/>
+            <a:ext cx="11810999" cy="2511457"/>
           </a:xfrm>
         </p:spPr>
         <p:txBody>
@@ -32717,6 +34287,20 @@
                 </a:solidFill>
               </a:rPr>
               <a:t>Testes de integração</a:t>
+            </a:r>
+          </a:p>
+          <a:p>
+            <a:pPr marL="571500" indent="-571500">
+              <a:buFont typeface="Arial" panose="020B0604020202020204" pitchFamily="34" charset="0"/>
+              <a:buChar char="•"/>
+            </a:pPr>
+            <a:r>
+              <a:rPr lang="pt-BR" sz="3600" dirty="0">
+                <a:solidFill>
+                  <a:srgbClr val="494949"/>
+                </a:solidFill>
+              </a:rPr>
+              <a:t>Containers: uma visão geral</a:t>
             </a:r>
           </a:p>
           <a:p>
@@ -33552,13 +35136,7 @@
   <p:cSld>
     <p:spTree>
       <p:nvGrpSpPr>
-        <p:cNvPr id="1" name="">
-          <a:extLst>
-            <a:ext uri="{FF2B5EF4-FFF2-40B4-BE49-F238E27FC236}">
-              <a16:creationId xmlns:a16="http://schemas.microsoft.com/office/drawing/2014/main" id="{C6ABD311-9E2F-950F-0726-896E4447A5FD}"/>
-            </a:ext>
-          </a:extLst>
-        </p:cNvPr>
+        <p:cNvPr id="1" name=""/>
         <p:cNvGrpSpPr/>
         <p:nvPr/>
       </p:nvGrpSpPr>
@@ -33575,7 +35153,7 @@
           <p:cNvPr id="2" name="Título 1">
             <a:extLst>
               <a:ext uri="{FF2B5EF4-FFF2-40B4-BE49-F238E27FC236}">
-                <a16:creationId xmlns:a16="http://schemas.microsoft.com/office/drawing/2014/main" id="{CE8D3346-C215-AC24-9ADF-3E7BBA62622D}"/>
+                <a16:creationId xmlns:a16="http://schemas.microsoft.com/office/drawing/2014/main" id="{8ADE097F-4825-4D14-B7FB-8434EC3B2C49}"/>
               </a:ext>
             </a:extLst>
           </p:cNvPr>
@@ -33586,43 +35164,21 @@
             <p:ph type="title"/>
           </p:nvPr>
         </p:nvSpPr>
-        <p:spPr>
-          <a:xfrm>
-            <a:off x="274639" y="295274"/>
-            <a:ext cx="9982198" cy="917575"/>
-          </a:xfrm>
-        </p:spPr>
+        <p:spPr/>
         <p:txBody>
           <a:bodyPr/>
           <a:lstStyle/>
           <a:p>
             <a:r>
-              <a:rPr lang="en-US" sz="4400" b="1" dirty="0" err="1">
+              <a:rPr lang="pt-BR" sz="4400" dirty="0">
                 <a:solidFill>
                   <a:schemeClr val="accent3">
                     <a:lumMod val="75000"/>
                   </a:schemeClr>
                 </a:solidFill>
               </a:rPr>
-              <a:t>Testcontainers</a:t>
-            </a:r>
-            <a:r>
-              <a:rPr lang="en-US" sz="4400" b="1" dirty="0">
-                <a:solidFill>
-                  <a:schemeClr val="accent3">
-                    <a:lumMod val="75000"/>
-                  </a:schemeClr>
-                </a:solidFill>
-              </a:rPr>
-              <a:t>: o que é?</a:t>
-            </a:r>
-            <a:endParaRPr lang="pt-BR" sz="4400" b="1" dirty="0">
-              <a:solidFill>
-                <a:schemeClr val="accent3">
-                  <a:lumMod val="75000"/>
-                </a:schemeClr>
-              </a:solidFill>
-            </a:endParaRPr>
+              <a:t>Por que utilizar containers?</a:t>
+            </a:r>
           </a:p>
         </p:txBody>
       </p:sp>
@@ -33631,7 +35187,7 @@
           <p:cNvPr id="3" name="Espaço Reservado para Texto 2">
             <a:extLst>
               <a:ext uri="{FF2B5EF4-FFF2-40B4-BE49-F238E27FC236}">
-                <a16:creationId xmlns:a16="http://schemas.microsoft.com/office/drawing/2014/main" id="{896CFC96-7194-822B-D315-FC2A7287AC36}"/>
+                <a16:creationId xmlns:a16="http://schemas.microsoft.com/office/drawing/2014/main" id="{10F01629-F01C-4AE7-B7DB-6087E6CFCFAC}"/>
               </a:ext>
             </a:extLst>
           </p:cNvPr>
@@ -33644,152 +35200,135 @@
         </p:nvSpPr>
         <p:spPr>
           <a:xfrm>
-            <a:off x="427144" y="1668462"/>
-            <a:ext cx="8381893" cy="4124206"/>
+            <a:off x="274640" y="1436080"/>
+            <a:ext cx="6476998" cy="5139869"/>
           </a:xfrm>
         </p:spPr>
         <p:txBody>
           <a:bodyPr/>
           <a:lstStyle/>
           <a:p>
-            <a:pPr marL="457200" indent="-457200">
+            <a:pPr marL="571500" indent="-571500">
               <a:buFont typeface="Arial" panose="020B0604020202020204" pitchFamily="34" charset="0"/>
               <a:buChar char="•"/>
             </a:pPr>
             <a:r>
-              <a:rPr lang="pt-BR" sz="3200" b="1" dirty="0">
+              <a:rPr lang="pt-BR" sz="2800" dirty="0">
                 <a:solidFill>
                   <a:srgbClr val="494949"/>
                 </a:solidFill>
               </a:rPr>
-              <a:t>Biblioteca open </a:t>
-            </a:r>
-            <a:r>
-              <a:rPr lang="pt-BR" sz="3200" b="1" dirty="0" err="1">
+              <a:t>Isolamento</a:t>
+            </a:r>
+          </a:p>
+          <a:p>
+            <a:pPr marL="571500" indent="-571500">
+              <a:buFont typeface="Arial" panose="020B0604020202020204" pitchFamily="34" charset="0"/>
+              <a:buChar char="•"/>
+            </a:pPr>
+            <a:endParaRPr lang="pt-BR" sz="2800" dirty="0">
+              <a:solidFill>
+                <a:srgbClr val="494949"/>
+              </a:solidFill>
+            </a:endParaRPr>
+          </a:p>
+          <a:p>
+            <a:pPr marL="571500" indent="-571500">
+              <a:buFont typeface="Arial" panose="020B0604020202020204" pitchFamily="34" charset="0"/>
+              <a:buChar char="•"/>
+            </a:pPr>
+            <a:r>
+              <a:rPr lang="pt-BR" sz="2800" dirty="0">
                 <a:solidFill>
                   <a:srgbClr val="494949"/>
                 </a:solidFill>
               </a:rPr>
-              <a:t>source</a:t>
-            </a:r>
-            <a:r>
-              <a:rPr lang="pt-BR" sz="3200" b="1" dirty="0">
+              <a:t>Rapidez na criação de instâncias</a:t>
+            </a:r>
+          </a:p>
+          <a:p>
+            <a:pPr marL="571500" indent="-571500">
+              <a:buFont typeface="Arial" panose="020B0604020202020204" pitchFamily="34" charset="0"/>
+              <a:buChar char="•"/>
+            </a:pPr>
+            <a:endParaRPr lang="pt-BR" sz="2800" dirty="0">
+              <a:solidFill>
+                <a:srgbClr val="494949"/>
+              </a:solidFill>
+            </a:endParaRPr>
+          </a:p>
+          <a:p>
+            <a:pPr marL="571500" indent="-571500">
+              <a:buFont typeface="Arial" panose="020B0604020202020204" pitchFamily="34" charset="0"/>
+              <a:buChar char="•"/>
+            </a:pPr>
+            <a:r>
+              <a:rPr lang="pt-BR" sz="2800" dirty="0">
                 <a:solidFill>
                   <a:srgbClr val="494949"/>
                 </a:solidFill>
               </a:rPr>
-              <a:t> para rápida criação de containers para testes</a:t>
-            </a:r>
-          </a:p>
-          <a:p>
-            <a:pPr marL="457200" indent="-457200">
+              <a:t>Menor dependência o sistema operacional</a:t>
+            </a:r>
+          </a:p>
+          <a:p>
+            <a:pPr marL="571500" indent="-571500">
               <a:buFont typeface="Arial" panose="020B0604020202020204" pitchFamily="34" charset="0"/>
               <a:buChar char="•"/>
             </a:pPr>
-            <a:endParaRPr lang="pt-BR" sz="3200" dirty="0">
+            <a:endParaRPr lang="pt-BR" sz="2800" dirty="0">
               <a:solidFill>
                 <a:srgbClr val="494949"/>
               </a:solidFill>
             </a:endParaRPr>
           </a:p>
           <a:p>
-            <a:pPr marL="457200" indent="-457200">
+            <a:pPr marL="571500" indent="-571500">
               <a:buFont typeface="Arial" panose="020B0604020202020204" pitchFamily="34" charset="0"/>
               <a:buChar char="•"/>
             </a:pPr>
             <a:r>
-              <a:rPr lang="pt-BR" sz="3200" dirty="0">
+              <a:rPr lang="pt-BR" sz="2800" dirty="0">
                 <a:solidFill>
                   <a:srgbClr val="494949"/>
                 </a:solidFill>
               </a:rPr>
-              <a:t>Evitar o uso de </a:t>
-            </a:r>
-            <a:r>
-              <a:rPr lang="pt-BR" sz="3200" dirty="0" err="1">
+              <a:t>Facilidade na criação de ambientes de testes</a:t>
+            </a:r>
+          </a:p>
+          <a:p>
+            <a:pPr marL="571500" indent="-571500">
+              <a:buFont typeface="Arial" panose="020B0604020202020204" pitchFamily="34" charset="0"/>
+              <a:buChar char="•"/>
+            </a:pPr>
+            <a:endParaRPr lang="pt-BR" sz="2800" dirty="0">
+              <a:solidFill>
+                <a:srgbClr val="494949"/>
+              </a:solidFill>
+            </a:endParaRPr>
+          </a:p>
+          <a:p>
+            <a:pPr marL="571500" indent="-571500">
+              <a:buFont typeface="Arial" panose="020B0604020202020204" pitchFamily="34" charset="0"/>
+              <a:buChar char="•"/>
+            </a:pPr>
+            <a:r>
+              <a:rPr lang="pt-BR" sz="2800" dirty="0">
                 <a:solidFill>
                   <a:srgbClr val="494949"/>
                 </a:solidFill>
               </a:rPr>
-              <a:t>mocks</a:t>
-            </a:r>
-            <a:r>
-              <a:rPr lang="pt-BR" sz="3200" dirty="0">
-                <a:solidFill>
-                  <a:srgbClr val="494949"/>
-                </a:solidFill>
-              </a:rPr>
-              <a:t> ou configurações de ambiente mais complexas</a:t>
-            </a:r>
-          </a:p>
-          <a:p>
-            <a:pPr marL="457200" indent="-457200">
-              <a:buFont typeface="Arial" panose="020B0604020202020204" pitchFamily="34" charset="0"/>
-              <a:buChar char="•"/>
-            </a:pPr>
-            <a:endParaRPr lang="pt-BR" sz="3200" dirty="0">
-              <a:solidFill>
-                <a:srgbClr val="494949"/>
-              </a:solidFill>
-            </a:endParaRPr>
-          </a:p>
-          <a:p>
-            <a:pPr marL="457200" indent="-457200">
-              <a:buFont typeface="Arial" panose="020B0604020202020204" pitchFamily="34" charset="0"/>
-              <a:buChar char="•"/>
-            </a:pPr>
-            <a:r>
-              <a:rPr lang="pt-BR" sz="3200" dirty="0">
-                <a:solidFill>
-                  <a:srgbClr val="494949"/>
-                </a:solidFill>
-              </a:rPr>
-              <a:t>Suporte a tecnologias de bancos de dados, serviços em nuvem, mensageria...</a:t>
-            </a:r>
-          </a:p>
-        </p:txBody>
-      </p:sp>
-      <p:sp>
-        <p:nvSpPr>
-          <p:cNvPr id="8" name="CaixaDeTexto 7">
-            <a:extLst>
-              <a:ext uri="{FF2B5EF4-FFF2-40B4-BE49-F238E27FC236}">
-                <a16:creationId xmlns:a16="http://schemas.microsoft.com/office/drawing/2014/main" id="{6DDF9BDA-C637-4264-F516-35AEA8F1F9A7}"/>
-              </a:ext>
-            </a:extLst>
-          </p:cNvPr>
-          <p:cNvSpPr txBox="1"/>
-          <p:nvPr/>
-        </p:nvSpPr>
-        <p:spPr>
-          <a:xfrm>
-            <a:off x="1036637" y="6029282"/>
-            <a:ext cx="11113428" cy="523220"/>
-          </a:xfrm>
-          <a:prstGeom prst="rect">
-            <a:avLst/>
-          </a:prstGeom>
-          <a:noFill/>
-        </p:spPr>
-        <p:txBody>
-          <a:bodyPr wrap="square">
-            <a:spAutoFit/>
-          </a:bodyPr>
-          <a:lstStyle/>
-          <a:p>
-            <a:r>
-              <a:rPr lang="pt-BR" sz="2800" b="1" dirty="0"/>
-              <a:t>https://testcontainers.com/</a:t>
+              <a:t>Escalabilidade facilitada</a:t>
             </a:r>
           </a:p>
         </p:txBody>
       </p:sp>
       <p:pic>
         <p:nvPicPr>
-          <p:cNvPr id="6" name="Imagem 5" descr="Logotipo&#10;&#10;O conteúdo gerado por IA pode estar incorreto.">
+          <p:cNvPr id="6" name="Imagem 5">
             <a:extLst>
               <a:ext uri="{FF2B5EF4-FFF2-40B4-BE49-F238E27FC236}">
-                <a16:creationId xmlns:a16="http://schemas.microsoft.com/office/drawing/2014/main" id="{9B57A108-7BCC-0FBA-2DF0-3D23F7D43D23}"/>
+                <a16:creationId xmlns:a16="http://schemas.microsoft.com/office/drawing/2014/main" id="{04E3DE43-9E0A-245C-DAD6-8F2569AC0E50}"/>
               </a:ext>
             </a:extLst>
           </p:cNvPr>
@@ -33800,13 +35339,14 @@
         </p:nvPicPr>
         <p:blipFill>
           <a:blip r:embed="rId3"/>
-          <a:srcRect r="74785"/>
-          <a:stretch/>
+          <a:stretch>
+            <a:fillRect/>
+          </a:stretch>
         </p:blipFill>
         <p:spPr>
           <a:xfrm>
-            <a:off x="9342437" y="2401569"/>
-            <a:ext cx="2344690" cy="2438993"/>
+            <a:off x="7513637" y="2354262"/>
+            <a:ext cx="4255294" cy="2836863"/>
           </a:xfrm>
           <a:prstGeom prst="rect">
             <a:avLst/>
@@ -33816,7 +35356,7 @@
     </p:spTree>
     <p:extLst>
       <p:ext uri="{BB962C8B-B14F-4D97-AF65-F5344CB8AC3E}">
-        <p14:creationId xmlns:p14="http://schemas.microsoft.com/office/powerpoint/2010/main" val="673228440"/>
+        <p14:creationId xmlns:p14="http://schemas.microsoft.com/office/powerpoint/2010/main" val="1484013788"/>
       </p:ext>
     </p:extLst>
   </p:cSld>
@@ -35588,6 +37128,15 @@
 </file>
 
 <file path=customXml/item1.xml><?xml version="1.0" encoding="utf-8"?>
+<?mso-contentType ?>
+<FormTemplates xmlns="http://schemas.microsoft.com/sharepoint/v3/contenttype/forms">
+  <Display>DocumentLibraryForm</Display>
+  <Edit>DocumentLibraryForm</Edit>
+  <New>DocumentLibraryForm</New>
+</FormTemplates>
+</file>
+
+<file path=customXml/item2.xml><?xml version="1.0" encoding="utf-8"?>
 <ct:contentTypeSchema xmlns:ct="http://schemas.microsoft.com/office/2006/metadata/contentType" xmlns:ma="http://schemas.microsoft.com/office/2006/metadata/properties/metaAttributes" ct:_="" ma:_="" ma:contentTypeName="PresentationsDoc" ma:contentTypeID="0x01010031DCF4CA090F824DB1E4CCBB6B9D64EA00101E8AAD132F8F4D96340D6376C8BB3E" ma:contentTypeVersion="22" ma:contentTypeDescription="" ma:contentTypeScope="" ma:versionID="8add498658ef06bbcf3bc1f2c97d938c">
   <xsd:schema xmlns:xsd="http://www.w3.org/2001/XMLSchema" xmlns:xs="http://www.w3.org/2001/XMLSchema" xmlns:p="http://schemas.microsoft.com/office/2006/metadata/properties" xmlns:ns1="http://schemas.microsoft.com/sharepoint/v3" xmlns:ns2="01c77077-aee4-4b5f-bd4e-9cd40a6fff29" xmlns:ns3="230e9df3-be65-4c73-a93b-d1236ebd677e" xmlns:ns5="8ff673fc-3231-4e3a-893b-6d7f7cd32766" targetNamespace="http://schemas.microsoft.com/office/2006/metadata/properties" ma:root="true" ma:fieldsID="a14070d067e341e7ddc7e27ecc4a2d88" ns1:_="" ns2:_="" ns3:_="" ns5:_="">
     <xsd:import namespace="http://schemas.microsoft.com/sharepoint/v3"/>
@@ -35944,15 +37493,6 @@
 </ct:contentTypeSchema>
 </file>
 
-<file path=customXml/item2.xml><?xml version="1.0" encoding="utf-8"?>
-<?mso-contentType ?>
-<FormTemplates xmlns="http://schemas.microsoft.com/sharepoint/v3/contenttype/forms">
-  <Display>DocumentLibraryForm</Display>
-  <Edit>DocumentLibraryForm</Edit>
-  <New>DocumentLibraryForm</New>
-</FormTemplates>
-</file>
-
 <file path=customXml/item3.xml><?xml version="1.0" encoding="utf-8"?>
 <p:properties xmlns:p="http://schemas.microsoft.com/office/2006/metadata/properties" xmlns:xsi="http://www.w3.org/2001/XMLSchema-instance" xmlns:pc="http://schemas.microsoft.com/office/infopath/2007/PartnerControls">
   <documentManagement>
@@ -36033,6 +37573,14 @@
 </file>
 
 <file path=customXml/itemProps1.xml><?xml version="1.0" encoding="utf-8"?>
+<ds:datastoreItem xmlns:ds="http://schemas.openxmlformats.org/officeDocument/2006/customXml" ds:itemID="{758FDAC0-319D-4A54-8D8E-1D42CB1F8004}">
+  <ds:schemaRefs>
+    <ds:schemaRef ds:uri="http://schemas.microsoft.com/sharepoint/v3/contenttype/forms"/>
+  </ds:schemaRefs>
+</ds:datastoreItem>
+</file>
+
+<file path=customXml/itemProps2.xml><?xml version="1.0" encoding="utf-8"?>
 <ds:datastoreItem xmlns:ds="http://schemas.openxmlformats.org/officeDocument/2006/customXml" ds:itemID="{6D8F288A-5131-4E80-AB86-F10FC037383B}">
   <ds:schemaRefs>
     <ds:schemaRef ds:uri="http://schemas.microsoft.com/office/2006/metadata/contentType"/>
@@ -36049,14 +37597,6 @@
     <ds:schemaRef ds:uri="http://purl.org/dc/elements/1.1/"/>
     <ds:schemaRef ds:uri="http://purl.org/dc/terms/"/>
     <ds:schemaRef ds:uri="http://schemas.microsoft.com/internal/obd"/>
-  </ds:schemaRefs>
-</ds:datastoreItem>
-</file>
-
-<file path=customXml/itemProps2.xml><?xml version="1.0" encoding="utf-8"?>
-<ds:datastoreItem xmlns:ds="http://schemas.openxmlformats.org/officeDocument/2006/customXml" ds:itemID="{758FDAC0-319D-4A54-8D8E-1D42CB1F8004}">
-  <ds:schemaRefs>
-    <ds:schemaRef ds:uri="http://schemas.microsoft.com/sharepoint/v3/contenttype/forms"/>
   </ds:schemaRefs>
 </ds:datastoreItem>
 </file>
